--- a/documents/posters/Shin et al. SCCUR 2017-secondDraft.pptx
+++ b/documents/posters/Shin et al. SCCUR 2017-secondDraft.pptx
@@ -225,7 +225,7 @@
   </p:defaultTextStyle>
   <p:extLst>
     <p:ext uri="{EFAFB233-063F-42B5-8137-9DF3F51BA10A}">
-      <p15:sldGuideLst xmlns="" xmlns:p15="http://schemas.microsoft.com/office/powerpoint/2012/main">
+      <p15:sldGuideLst xmlns:p15="http://schemas.microsoft.com/office/powerpoint/2012/main">
         <p15:guide id="1" orient="horz" pos="10368">
           <p15:clr>
             <a:srgbClr val="A4A3A4"/>
@@ -248,6 +248,10 @@
     <p:extLst/>
   </p:cmAuthor>
 </p:cmAuthorLst>
+</file>
+
+<file path=ppt/revisionInfo.xml><?xml version="1.0" encoding="utf-8"?>
+<p1510:revInfo xmlns:a="http://schemas.openxmlformats.org/drawingml/2006/main" xmlns:r="http://schemas.openxmlformats.org/officeDocument/2006/relationships" xmlns:p1510="http://schemas.microsoft.com/office/powerpoint/2015/10/main"/>
 </file>
 
 <file path=ppt/notesMasters/notesMaster1.xml><?xml version="1.0" encoding="utf-8"?>
@@ -1001,7 +1005,7 @@
                 <a:srgbClr val="000000"/>
               </a:buClr>
             </a:pPr>
-            <a:endParaRPr lang="en-US" smtClean="0"/>
+            <a:endParaRPr lang="en-US"/>
           </a:p>
           <a:p>
             <a:pPr lvl="1">
@@ -1011,7 +1015,7 @@
               <a:buFont typeface="Arial"/>
               <a:buNone/>
             </a:pPr>
-            <a:endParaRPr lang="en-US" smtClean="0"/>
+            <a:endParaRPr lang="en-US"/>
           </a:p>
           <a:p>
             <a:pPr lvl="2">
@@ -1021,7 +1025,7 @@
               <a:buFont typeface="Arial"/>
               <a:buNone/>
             </a:pPr>
-            <a:endParaRPr lang="en-US" smtClean="0"/>
+            <a:endParaRPr lang="en-US"/>
           </a:p>
           <a:p>
             <a:pPr lvl="3">
@@ -1031,7 +1035,7 @@
               <a:buFont typeface="Arial"/>
               <a:buNone/>
             </a:pPr>
-            <a:endParaRPr lang="en-US" smtClean="0"/>
+            <a:endParaRPr lang="en-US"/>
           </a:p>
           <a:p>
             <a:pPr lvl="4">
@@ -1041,7 +1045,7 @@
               <a:buFont typeface="Arial"/>
               <a:buNone/>
             </a:pPr>
-            <a:endParaRPr lang="en-US" smtClean="0"/>
+            <a:endParaRPr lang="en-US"/>
           </a:p>
           <a:p>
             <a:pPr lvl="5">
@@ -1051,7 +1055,7 @@
               <a:buFont typeface="Arial"/>
               <a:buNone/>
             </a:pPr>
-            <a:endParaRPr lang="en-US" smtClean="0"/>
+            <a:endParaRPr lang="en-US"/>
           </a:p>
           <a:p>
             <a:pPr lvl="6">
@@ -1061,7 +1065,7 @@
               <a:buFont typeface="Arial"/>
               <a:buNone/>
             </a:pPr>
-            <a:endParaRPr lang="en-US" smtClean="0"/>
+            <a:endParaRPr lang="en-US"/>
           </a:p>
           <a:p>
             <a:pPr lvl="7">
@@ -1071,7 +1075,7 @@
               <a:buFont typeface="Arial"/>
               <a:buNone/>
             </a:pPr>
-            <a:endParaRPr lang="en-US" smtClean="0"/>
+            <a:endParaRPr lang="en-US"/>
           </a:p>
           <a:p>
             <a:pPr lvl="8">
@@ -10925,18 +10929,13 @@
               <a:buSzPct val="25000"/>
             </a:pPr>
             <a:r>
-              <a:rPr lang="en-US" sz="2200" b="1" dirty="0" smtClean="0">
+              <a:rPr lang="en-US" sz="2200" b="1" dirty="0">
                 <a:solidFill>
                   <a:schemeClr val="dk1"/>
                 </a:solidFill>
               </a:rPr>
               <a:t>Mocha and Chai JavaScript testing framework</a:t>
             </a:r>
-            <a:endParaRPr lang="en-US" sz="2200" b="1" dirty="0">
-              <a:solidFill>
-                <a:schemeClr val="dk1"/>
-              </a:solidFill>
-            </a:endParaRPr>
           </a:p>
           <a:p>
             <a:pPr marL="236538" lvl="0" indent="-236538">
@@ -10948,7 +10947,7 @@
               <a:buChar char="•"/>
             </a:pPr>
             <a:r>
-              <a:rPr lang="en-US" sz="2200" dirty="0" smtClean="0"/>
+              <a:rPr lang="en-US" sz="2200" dirty="0"/>
               <a:t>The unit testing framework consists of 216 passing tests covering over </a:t>
             </a:r>
           </a:p>
@@ -10960,7 +10959,7 @@
               <a:buSzPct val="100000"/>
             </a:pPr>
             <a:r>
-              <a:rPr lang="en-US" sz="2200" dirty="0" smtClean="0"/>
+              <a:rPr lang="en-US" sz="2200" dirty="0"/>
               <a:t>   500 test files.</a:t>
             </a:r>
           </a:p>
@@ -10974,15 +10973,15 @@
               <a:buChar char="•"/>
             </a:pPr>
             <a:r>
-              <a:rPr lang="en-US" sz="2200" dirty="0" smtClean="0"/>
+              <a:rPr lang="en-US" sz="2200" dirty="0"/>
               <a:t>The addition of SIF and </a:t>
             </a:r>
             <a:r>
-              <a:rPr lang="en-US" sz="2200" dirty="0" err="1" smtClean="0"/>
+              <a:rPr lang="en-US" sz="2200" dirty="0" err="1"/>
               <a:t>GraphML</a:t>
             </a:r>
             <a:r>
-              <a:rPr lang="en-US" sz="2200" dirty="0" smtClean="0"/>
+              <a:rPr lang="en-US" sz="2200" dirty="0"/>
               <a:t> file format options besides the existing Excel imports, required re-organization of the testing framework.</a:t>
             </a:r>
           </a:p>
@@ -10996,23 +10995,23 @@
               <a:buChar char="•"/>
             </a:pPr>
             <a:r>
-              <a:rPr lang="en-US" sz="2200" dirty="0" smtClean="0"/>
+              <a:rPr lang="en-US" sz="2200" dirty="0"/>
               <a:t>Testing is now split into two different test groups, with </a:t>
             </a:r>
             <a:r>
-              <a:rPr lang="en-US" sz="2200" i="1" dirty="0" smtClean="0"/>
+              <a:rPr lang="en-US" sz="2200" i="1" dirty="0"/>
               <a:t>semantic</a:t>
             </a:r>
             <a:r>
-              <a:rPr lang="en-US" sz="2200" dirty="0" smtClean="0"/>
+              <a:rPr lang="en-US" sz="2200" dirty="0"/>
               <a:t> tests being file-format independent, and individualized </a:t>
             </a:r>
             <a:r>
-              <a:rPr lang="en-US" sz="2200" i="1" dirty="0" smtClean="0"/>
+              <a:rPr lang="en-US" sz="2200" i="1" dirty="0"/>
               <a:t>syntactic</a:t>
             </a:r>
             <a:r>
-              <a:rPr lang="en-US" sz="2200" dirty="0" smtClean="0"/>
+              <a:rPr lang="en-US" sz="2200" dirty="0"/>
               <a:t> tests being based on the different file formats.</a:t>
             </a:r>
           </a:p>
@@ -11026,7 +11025,7 @@
               <a:buChar char="•"/>
             </a:pPr>
             <a:r>
-              <a:rPr lang="en-US" sz="2200" dirty="0" smtClean="0"/>
+              <a:rPr lang="en-US" sz="2200" dirty="0"/>
               <a:t>Errors found in the semantic checker test are generally considered fatal, whereas most of the syntactic checker tests return warnings and still display the graph.</a:t>
             </a:r>
           </a:p>
@@ -11075,11 +11074,7 @@
             </a:pPr>
             <a:r>
               <a:rPr lang="en-US" sz="6600" dirty="0"/>
-              <a:t>Improved Visual Performance and Enhanced Test Files for Different File Formats </a:t>
-            </a:r>
-            <a:r>
-              <a:rPr lang="en-US" sz="6600" dirty="0" smtClean="0"/>
-              <a:t>for </a:t>
+              <a:t>Improved Visual Performance and Enhanced Test Files for Different File Formats for </a:t>
             </a:r>
           </a:p>
           <a:p>
@@ -11090,20 +11085,12 @@
               <a:buSzPct val="25000"/>
             </a:pPr>
             <a:r>
-              <a:rPr lang="en-US" sz="6600" dirty="0" err="1" smtClean="0"/>
+              <a:rPr lang="en-US" sz="6600" dirty="0" err="1"/>
               <a:t>GRNsight</a:t>
             </a:r>
             <a:r>
               <a:rPr lang="en-US" sz="6600" dirty="0"/>
-              <a:t>: </a:t>
-            </a:r>
-            <a:r>
-              <a:rPr lang="en-US" sz="6600" dirty="0" smtClean="0"/>
-              <a:t>a </a:t>
-            </a:r>
-            <a:r>
-              <a:rPr lang="en-US" sz="6600" dirty="0"/>
-              <a:t>Web Application for Visualizing Models of Gene Regulatory Networks</a:t>
+              <a:t>: a Web Application for Visualizing Models of Gene Regulatory Networks</a:t>
             </a:r>
             <a:endParaRPr lang="en-US" sz="9600" dirty="0">
               <a:solidFill>
@@ -11130,7 +11117,7 @@
               <a:buNone/>
             </a:pPr>
             <a:r>
-              <a:rPr lang="en-US" sz="1400" b="0" i="0" u="none" strike="noStrike" cap="none" baseline="0" dirty="0" smtClean="0">
+              <a:rPr lang="en-US" sz="1400" b="0" i="0" u="none" strike="noStrike" cap="none" baseline="0" dirty="0">
                 <a:solidFill>
                   <a:srgbClr val="014D00"/>
                 </a:solidFill>
@@ -11142,16 +11129,6 @@
               </a:rPr>
               <a:t> </a:t>
             </a:r>
-            <a:endParaRPr lang="en-US" sz="1400" b="0" i="0" u="none" strike="noStrike" cap="none" baseline="0" dirty="0">
-              <a:solidFill>
-                <a:srgbClr val="014D00"/>
-              </a:solidFill>
-              <a:latin typeface="Arial"/>
-              <a:ea typeface="Arial"/>
-              <a:cs typeface="Arial"/>
-              <a:sym typeface="Arial"/>
-              <a:rtl val="0"/>
-            </a:endParaRPr>
           </a:p>
           <a:p>
             <a:pPr lvl="0" algn="ctr">
@@ -11164,7 +11141,7 @@
               <a:buSzPct val="25000"/>
             </a:pPr>
             <a:r>
-              <a:rPr lang="en-US" sz="4000" b="0" i="0" u="none" strike="noStrike" cap="none" baseline="0" dirty="0" err="1" smtClean="0">
+              <a:rPr lang="en-US" sz="4000" b="0" i="0" u="none" strike="noStrike" cap="none" baseline="0" dirty="0" err="1">
                 <a:solidFill>
                   <a:schemeClr val="dk1"/>
                 </a:solidFill>
@@ -11177,7 +11154,7 @@
               <a:t>Yeon-Soo</a:t>
             </a:r>
             <a:r>
-              <a:rPr lang="en-US" sz="4000" b="0" i="0" u="none" strike="noStrike" cap="none" baseline="0" dirty="0" smtClean="0">
+              <a:rPr lang="en-US" sz="4000" b="0" i="0" u="none" strike="noStrike" cap="none" baseline="0" dirty="0">
                 <a:solidFill>
                   <a:schemeClr val="dk1"/>
                 </a:solidFill>
@@ -11190,7 +11167,7 @@
               <a:t> Shin**, Edward </a:t>
             </a:r>
             <a:r>
-              <a:rPr lang="en-US" sz="4000" b="0" i="0" u="none" strike="noStrike" cap="none" baseline="0" dirty="0" err="1" smtClean="0">
+              <a:rPr lang="en-US" sz="4000" b="0" i="0" u="none" strike="noStrike" cap="none" baseline="0" dirty="0" err="1">
                 <a:solidFill>
                   <a:schemeClr val="dk1"/>
                 </a:solidFill>
@@ -11203,7 +11180,7 @@
               <a:t>Bachoura</a:t>
             </a:r>
             <a:r>
-              <a:rPr lang="en-US" sz="4000" b="0" i="0" u="none" strike="noStrike" cap="none" baseline="0" dirty="0" smtClean="0">
+              <a:rPr lang="en-US" sz="4000" b="0" i="0" u="none" strike="noStrike" cap="none" baseline="0" dirty="0">
                 <a:solidFill>
                   <a:schemeClr val="dk1"/>
                 </a:solidFill>
@@ -11216,7 +11193,7 @@
               <a:t>**, Eileen Choe**,</a:t>
             </a:r>
             <a:r>
-              <a:rPr lang="en-US" sz="4000" b="0" i="0" u="none" strike="noStrike" cap="none" dirty="0" smtClean="0">
+              <a:rPr lang="en-US" sz="4000" b="0" i="0" u="none" strike="noStrike" cap="none" dirty="0">
                 <a:solidFill>
                   <a:schemeClr val="dk1"/>
                 </a:solidFill>
@@ -11229,7 +11206,7 @@
               <a:t> </a:t>
             </a:r>
             <a:r>
-              <a:rPr lang="en-US" sz="4000" dirty="0" smtClean="0">
+              <a:rPr lang="en-US" sz="4000" dirty="0">
                 <a:solidFill>
                   <a:schemeClr val="dk1"/>
                 </a:solidFill>
@@ -11237,7 +11214,7 @@
               <a:t>John </a:t>
             </a:r>
             <a:r>
-              <a:rPr lang="en-US" sz="4000" b="0" i="0" u="none" strike="noStrike" cap="none" baseline="0" dirty="0" smtClean="0">
+              <a:rPr lang="en-US" sz="4000" b="0" i="0" u="none" strike="noStrike" cap="none" baseline="0" dirty="0">
                 <a:solidFill>
                   <a:schemeClr val="dk1"/>
                 </a:solidFill>
@@ -11250,7 +11227,7 @@
               <a:t>David N. </a:t>
             </a:r>
             <a:r>
-              <a:rPr lang="en-US" sz="4000" b="0" i="0" u="none" strike="noStrike" cap="none" baseline="0" dirty="0" err="1" smtClean="0">
+              <a:rPr lang="en-US" sz="4000" b="0" i="0" u="none" strike="noStrike" cap="none" baseline="0" dirty="0" err="1">
                 <a:solidFill>
                   <a:schemeClr val="dk1"/>
                 </a:solidFill>
@@ -11263,7 +11240,7 @@
               <a:t>Dionisio</a:t>
             </a:r>
             <a:r>
-              <a:rPr lang="en-US" sz="4000" b="0" i="0" u="none" strike="noStrike" cap="none" baseline="0" dirty="0" smtClean="0">
+              <a:rPr lang="en-US" sz="4000" b="0" i="0" u="none" strike="noStrike" cap="none" baseline="0" dirty="0">
                 <a:solidFill>
                   <a:schemeClr val="dk1"/>
                 </a:solidFill>
@@ -11276,7 +11253,7 @@
               <a:t>**, Kam D. </a:t>
             </a:r>
             <a:r>
-              <a:rPr lang="en-US" sz="4000" b="0" i="0" u="none" strike="noStrike" cap="none" baseline="0" dirty="0" err="1" smtClean="0">
+              <a:rPr lang="en-US" sz="4000" b="0" i="0" u="none" strike="noStrike" cap="none" baseline="0" dirty="0" err="1">
                 <a:solidFill>
                   <a:schemeClr val="dk1"/>
                 </a:solidFill>
@@ -11289,7 +11266,7 @@
               <a:t>Dahlquist</a:t>
             </a:r>
             <a:r>
-              <a:rPr lang="en-US" sz="4000" b="0" i="0" u="none" strike="noStrike" cap="none" baseline="0" dirty="0" smtClean="0">
+              <a:rPr lang="en-US" sz="4000" b="0" i="0" u="none" strike="noStrike" cap="none" baseline="0" dirty="0">
                 <a:solidFill>
                   <a:schemeClr val="dk1"/>
                 </a:solidFill>
@@ -11301,16 +11278,6 @@
               </a:rPr>
               <a:t>*</a:t>
             </a:r>
-            <a:endParaRPr lang="en-US" sz="4000" b="0" i="0" u="none" strike="noStrike" cap="none" baseline="0" dirty="0">
-              <a:solidFill>
-                <a:schemeClr val="dk1"/>
-              </a:solidFill>
-              <a:latin typeface="Arial"/>
-              <a:ea typeface="Arial"/>
-              <a:cs typeface="Arial"/>
-              <a:sym typeface="Arial"/>
-              <a:rtl val="0"/>
-            </a:endParaRPr>
           </a:p>
           <a:p>
             <a:pPr marL="0" marR="0" lvl="0" indent="0" algn="ctr" rtl="0">
@@ -11351,19 +11318,6 @@
               <a:buSzPct val="25000"/>
             </a:pPr>
             <a:r>
-              <a:rPr lang="en-US" sz="3200" b="0" i="0" u="none" strike="noStrike" cap="none" baseline="0" dirty="0" smtClean="0">
-                <a:solidFill>
-                  <a:schemeClr val="dk1"/>
-                </a:solidFill>
-                <a:latin typeface="Arial"/>
-                <a:ea typeface="Arial"/>
-                <a:cs typeface="Arial"/>
-                <a:sym typeface="Arial"/>
-                <a:rtl val="0"/>
-              </a:rPr>
-              <a:t>*</a:t>
-            </a:r>
-            <a:r>
               <a:rPr lang="en-US" sz="3200" b="0" i="0" u="none" strike="noStrike" cap="none" baseline="0" dirty="0">
                 <a:solidFill>
                   <a:schemeClr val="dk1"/>
@@ -11374,15 +11328,7 @@
                 <a:sym typeface="Arial"/>
                 <a:rtl val="0"/>
               </a:rPr>
-              <a:t>Department of Biology, </a:t>
-            </a:r>
-            <a:r>
-              <a:rPr lang="en-US" sz="3200" dirty="0" smtClean="0">
-                <a:solidFill>
-                  <a:schemeClr val="dk1"/>
-                </a:solidFill>
-              </a:rPr>
-              <a:t>**Department </a:t>
+              <a:t>*Department of Biology, </a:t>
             </a:r>
             <a:r>
               <a:rPr lang="en-US" sz="3200" dirty="0">
@@ -11390,28 +11336,7 @@
                   <a:schemeClr val="dk1"/>
                 </a:solidFill>
               </a:rPr>
-              <a:t>of Electrical Engineering and Computer </a:t>
-            </a:r>
-            <a:r>
-              <a:rPr lang="en-US" sz="3200" dirty="0" smtClean="0">
-                <a:solidFill>
-                  <a:schemeClr val="dk1"/>
-                </a:solidFill>
-              </a:rPr>
-              <a:t>Science,</a:t>
-            </a:r>
-            <a:r>
-              <a:rPr lang="en-US" sz="3200" b="0" i="0" u="none" strike="noStrike" cap="none" baseline="0" dirty="0" smtClean="0">
-                <a:solidFill>
-                  <a:srgbClr val="000000"/>
-                </a:solidFill>
-                <a:latin typeface="Arial"/>
-                <a:ea typeface="Arial"/>
-                <a:cs typeface="Arial"/>
-                <a:sym typeface="Arial"/>
-                <a:rtl val="0"/>
-              </a:rPr>
-              <a:t> </a:t>
+              <a:t>**Department of Electrical Engineering and Computer Science,</a:t>
             </a:r>
             <a:r>
               <a:rPr lang="en-US" sz="3200" b="0" i="0" u="none" strike="noStrike" cap="none" baseline="0" dirty="0">
@@ -11424,7 +11349,7 @@
                 <a:sym typeface="Arial"/>
                 <a:rtl val="0"/>
               </a:rPr>
-              <a:t>Loyola </a:t>
+              <a:t> Loyola </a:t>
             </a:r>
             <a:r>
               <a:rPr lang="en-US" sz="3200" b="0" i="0" u="none" strike="noStrike" cap="none" baseline="0" dirty="0">
@@ -11597,20 +11522,7 @@
                 <a:sym typeface="Arial"/>
                 <a:rtl val="0"/>
               </a:rPr>
-              <a:t>biology </a:t>
-            </a:r>
-            <a:r>
-              <a:rPr lang="en-US" sz="2200" b="0" i="0" u="none" strike="noStrike" cap="none" baseline="0" smtClean="0">
-                <a:solidFill>
-                  <a:srgbClr val="000000"/>
-                </a:solidFill>
-                <a:latin typeface="Arial"/>
-                <a:ea typeface="Arial"/>
-                <a:cs typeface="Arial"/>
-                <a:sym typeface="Arial"/>
-                <a:rtl val="0"/>
-              </a:rPr>
-              <a:t>describes how </a:t>
+              <a:t>biology describes how </a:t>
             </a:r>
             <a:r>
               <a:rPr lang="en-US" sz="2200" b="0" i="0" u="none" strike="noStrike" cap="none" baseline="0" dirty="0">
@@ -11636,20 +11548,7 @@
                 <a:sym typeface="Arial"/>
                 <a:rtl val="0"/>
               </a:rPr>
-              <a:t>expression </a:t>
-            </a:r>
-            <a:r>
-              <a:rPr lang="en-US" sz="2200" b="0" i="0" u="none" strike="noStrike" cap="none" baseline="0" smtClean="0">
-                <a:solidFill>
-                  <a:srgbClr val="000000"/>
-                </a:solidFill>
-                <a:latin typeface="Arial"/>
-                <a:ea typeface="Arial"/>
-                <a:cs typeface="Arial"/>
-                <a:sym typeface="Arial"/>
-                <a:rtl val="0"/>
-              </a:rPr>
-              <a:t>goes from </a:t>
+              <a:t>expression goes from </a:t>
             </a:r>
             <a:r>
               <a:rPr lang="en-US" sz="2200" b="0" i="0" u="none" strike="noStrike" cap="none" baseline="0" dirty="0">
@@ -12053,19 +11952,6 @@
               <a:buChar char="•"/>
             </a:pPr>
             <a:r>
-              <a:rPr lang="en-US" sz="2200" b="0" i="0" u="none" strike="noStrike" cap="none" baseline="0" dirty="0" smtClean="0">
-                <a:solidFill>
-                  <a:schemeClr val="dk1"/>
-                </a:solidFill>
-                <a:latin typeface="Arial"/>
-                <a:ea typeface="Arial"/>
-                <a:cs typeface="Arial"/>
-                <a:sym typeface="Arial"/>
-                <a:rtl val="0"/>
-              </a:rPr>
-              <a:t>A </a:t>
-            </a:r>
-            <a:r>
               <a:rPr lang="en-US" sz="2200" b="0" i="0" u="none" strike="noStrike" cap="none" baseline="0" dirty="0">
                 <a:solidFill>
                   <a:schemeClr val="dk1"/>
@@ -12076,20 +11962,7 @@
                 <a:sym typeface="Arial"/>
                 <a:rtl val="0"/>
               </a:rPr>
-              <a:t>gene regulatory network (GRN) consists of genes, transcription factors, and the regulatory connections between them, which govern the level of expression of mRNA and proteins from those genes</a:t>
-            </a:r>
-            <a:r>
-              <a:rPr lang="en-US" sz="2200" b="0" i="0" u="none" strike="noStrike" cap="none" baseline="0" dirty="0" smtClean="0">
-                <a:solidFill>
-                  <a:schemeClr val="dk1"/>
-                </a:solidFill>
-                <a:latin typeface="Arial"/>
-                <a:ea typeface="Arial"/>
-                <a:cs typeface="Arial"/>
-                <a:sym typeface="Arial"/>
-                <a:rtl val="0"/>
-              </a:rPr>
-              <a:t>.</a:t>
+              <a:t>A gene regulatory network (GRN) consists of genes, transcription factors, and the regulatory connections between them, which govern the level of expression of mRNA and proteins from those genes.</a:t>
             </a:r>
             <a:endParaRPr sz="2200" b="0" i="0" u="none" strike="noStrike" cap="none" baseline="0" dirty="0">
               <a:solidFill>
@@ -12131,20 +12004,7 @@
                 <a:sym typeface="Arial"/>
                 <a:rtl val="0"/>
               </a:rPr>
-              <a:t>Each </a:t>
-            </a:r>
-            <a:r>
-              <a:rPr lang="en-US" sz="2200" b="0" i="0" u="none" strike="noStrike" cap="none" baseline="0" smtClean="0">
-                <a:solidFill>
-                  <a:schemeClr val="dk1"/>
-                </a:solidFill>
-                <a:latin typeface="Arial"/>
-                <a:ea typeface="Arial"/>
-                <a:cs typeface="Arial"/>
-                <a:sym typeface="Arial"/>
-                <a:rtl val="0"/>
-              </a:rPr>
-              <a:t>node in a GRN graph </a:t>
+              <a:t>Each node in a GRN graph </a:t>
             </a:r>
             <a:r>
               <a:rPr lang="en-US" sz="2200" b="0" i="0" u="none" strike="noStrike" cap="none" baseline="0" dirty="0">
@@ -12157,59 +12017,7 @@
                 <a:sym typeface="Arial"/>
                 <a:rtl val="0"/>
               </a:rPr>
-              <a:t>represents the gene, </a:t>
-            </a:r>
-            <a:r>
-              <a:rPr lang="en-US" sz="2200" b="0" i="0" u="none" strike="noStrike" cap="none" baseline="0" dirty="0" smtClean="0">
-                <a:solidFill>
-                  <a:schemeClr val="dk1"/>
-                </a:solidFill>
-                <a:latin typeface="Arial"/>
-                <a:ea typeface="Arial"/>
-                <a:cs typeface="Arial"/>
-                <a:sym typeface="Arial"/>
-                <a:rtl val="0"/>
-              </a:rPr>
-              <a:t>mRNA</a:t>
-            </a:r>
-            <a:r>
-              <a:rPr lang="en-US" sz="2200" b="0" i="0" u="none" strike="noStrike" cap="none" baseline="0" dirty="0">
-                <a:solidFill>
-                  <a:schemeClr val="dk1"/>
-                </a:solidFill>
-                <a:latin typeface="Arial"/>
-                <a:ea typeface="Arial"/>
-                <a:cs typeface="Arial"/>
-                <a:sym typeface="Arial"/>
-                <a:rtl val="0"/>
-              </a:rPr>
-              <a:t>, and </a:t>
-            </a:r>
-            <a:r>
-              <a:rPr lang="en-US" sz="2200" b="0" i="0" u="none" strike="noStrike" cap="none" baseline="0" dirty="0" smtClean="0">
-                <a:solidFill>
-                  <a:schemeClr val="dk1"/>
-                </a:solidFill>
-                <a:latin typeface="Arial"/>
-                <a:ea typeface="Arial"/>
-                <a:cs typeface="Arial"/>
-                <a:sym typeface="Arial"/>
-                <a:rtl val="0"/>
-              </a:rPr>
-              <a:t>protein </a:t>
-            </a:r>
-            <a:r>
-              <a:rPr lang="en-US" sz="2200" b="0" i="0" u="none" strike="noStrike" cap="none" baseline="0" dirty="0">
-                <a:solidFill>
-                  <a:schemeClr val="dk1"/>
-                </a:solidFill>
-                <a:latin typeface="Arial"/>
-                <a:ea typeface="Arial"/>
-                <a:cs typeface="Arial"/>
-                <a:sym typeface="Arial"/>
-                <a:rtl val="0"/>
-              </a:rPr>
-              <a:t>expressed from </a:t>
+              <a:t>represents the gene, mRNA, and protein expressed from </a:t>
             </a:r>
             <a:r>
               <a:rPr lang="en-US" sz="2200" b="0" i="0" u="none" strike="noStrike" cap="none" baseline="0">
@@ -12222,23 +12030,10 @@
                 <a:sym typeface="Arial"/>
                 <a:rtl val="0"/>
               </a:rPr>
-              <a:t>the </a:t>
-            </a:r>
-            <a:r>
-              <a:rPr lang="en-US" sz="2200" b="0" i="0" u="none" strike="noStrike" cap="none" baseline="0" smtClean="0">
-                <a:solidFill>
-                  <a:schemeClr val="dk1"/>
-                </a:solidFill>
-                <a:latin typeface="Arial"/>
-                <a:ea typeface="Arial"/>
-                <a:cs typeface="Arial"/>
-                <a:sym typeface="Arial"/>
-                <a:rtl val="0"/>
-              </a:rPr>
-              <a:t>gene;</a:t>
-            </a:r>
-            <a:r>
-              <a:rPr lang="en-US" sz="2200" b="0" i="0" u="none" strike="noStrike" cap="none" smtClean="0">
+              <a:t>the gene;</a:t>
+            </a:r>
+            <a:r>
+              <a:rPr lang="en-US" sz="2200" b="0" i="0" u="none" strike="noStrike" cap="none">
                 <a:solidFill>
                   <a:schemeClr val="dk1"/>
                 </a:solidFill>
@@ -12251,7 +12046,7 @@
               <a:t> e</a:t>
             </a:r>
             <a:r>
-              <a:rPr lang="en-US" sz="2200" b="0" i="0" u="none" strike="noStrike" cap="none" baseline="0" smtClean="0">
+              <a:rPr lang="en-US" sz="2200" b="0" i="0" u="none" strike="noStrike" cap="none" baseline="0">
                 <a:solidFill>
                   <a:schemeClr val="dk1"/>
                 </a:solidFill>
@@ -12474,7 +12269,7 @@
               <a:buNone/>
             </a:pPr>
             <a:r>
-              <a:rPr lang="en-US" sz="3600" dirty="0" smtClean="0">
+              <a:rPr lang="en-US" sz="3600" dirty="0">
                 <a:solidFill>
                   <a:srgbClr val="017C00"/>
                 </a:solidFill>
@@ -12667,7 +12462,7 @@
               <a:buChar char="•"/>
             </a:pPr>
             <a:r>
-              <a:rPr lang="en-US" sz="2000" dirty="0" smtClean="0">
+              <a:rPr lang="en-US" sz="2000" dirty="0">
                 <a:solidFill>
                   <a:schemeClr val="dk1"/>
                 </a:solidFill>
@@ -12694,7 +12489,7 @@
               <a:buChar char="•"/>
             </a:pPr>
             <a:r>
-              <a:rPr lang="en-US" sz="2000" dirty="0" smtClean="0">
+              <a:rPr lang="en-US" sz="2000" dirty="0">
                 <a:solidFill>
                   <a:schemeClr val="dk1"/>
                 </a:solidFill>
@@ -12721,7 +12516,7 @@
               <a:buChar char="•"/>
             </a:pPr>
             <a:r>
-              <a:rPr lang="en-US" sz="2000" dirty="0" smtClean="0">
+              <a:rPr lang="en-US" sz="2000" dirty="0">
                 <a:solidFill>
                   <a:schemeClr val="dk1"/>
                 </a:solidFill>
@@ -12748,42 +12543,29 @@
               <a:buChar char="•"/>
             </a:pPr>
             <a:r>
-              <a:rPr lang="en-US" sz="2000" dirty="0" smtClean="0">
+              <a:rPr lang="en-US" sz="2000" dirty="0">
                 <a:solidFill>
                   <a:schemeClr val="dk1"/>
                 </a:solidFill>
               </a:rPr>
-              <a:t>Space for </a:t>
-            </a:r>
-            <a:r>
-              <a:rPr lang="en-US" sz="2000" dirty="0" err="1" smtClean="0">
+              <a:t>Full </a:t>
+            </a:r>
+            <a:r>
+              <a:rPr lang="en-US" sz="2000" dirty="0" err="1">
                 <a:solidFill>
                   <a:schemeClr val="dk1"/>
                 </a:solidFill>
               </a:rPr>
-              <a:t>eddie</a:t>
-            </a:r>
-            <a:r>
-              <a:rPr lang="en-US" sz="2000" dirty="0" smtClean="0">
+              <a:t>GraphML</a:t>
+            </a:r>
+            <a:r>
+              <a:rPr lang="en-US" sz="2000" dirty="0">
                 <a:solidFill>
                   <a:schemeClr val="dk1"/>
                 </a:solidFill>
               </a:rPr>
-              <a:t> to add :D tell me if you need </a:t>
-            </a:r>
-            <a:r>
-              <a:rPr lang="en-US" sz="2000" smtClean="0">
-                <a:solidFill>
-                  <a:schemeClr val="dk1"/>
-                </a:solidFill>
-              </a:rPr>
-              <a:t>more ill try to cut down on mine</a:t>
-            </a:r>
-            <a:endParaRPr lang="en-US" sz="2000" dirty="0" smtClean="0">
-              <a:solidFill>
-                <a:schemeClr val="dk1"/>
-              </a:solidFill>
-            </a:endParaRPr>
+              <a:t> and SIF support with thorough error and warning details</a:t>
+            </a:r>
           </a:p>
         </p:txBody>
       </p:sp>
@@ -12855,23 +12637,10 @@
                 <a:sym typeface="Arial"/>
                 <a:rtl val="0"/>
               </a:rPr>
-              <a:t>(</a:t>
-            </a:r>
-            <a:r>
-              <a:rPr lang="en-US" sz="2200" b="0" i="0" u="none" strike="noStrike" cap="none" baseline="0" smtClean="0">
-                <a:solidFill>
-                  <a:srgbClr val="000000"/>
-                </a:solidFill>
-                <a:latin typeface="Arial"/>
-                <a:ea typeface="Arial"/>
-                <a:cs typeface="Arial"/>
-                <a:sym typeface="Arial"/>
-                <a:rtl val="0"/>
-              </a:rPr>
-              <a:t>K.D.D., B.G.F.),</a:t>
-            </a:r>
-            <a:r>
-              <a:rPr lang="en-US" sz="2200" b="0" i="0" u="none" strike="noStrike" cap="none" smtClean="0">
+              <a:t>(K.D.D., B.G.F.),</a:t>
+            </a:r>
+            <a:r>
+              <a:rPr lang="en-US" sz="2200" b="0" i="0" u="none" strike="noStrike" cap="none">
                 <a:solidFill>
                   <a:srgbClr val="000000"/>
                 </a:solidFill>
@@ -12884,7 +12653,7 @@
               <a:t> a Kadner-Pitts Research Grant (K.D.D.), </a:t>
             </a:r>
             <a:r>
-              <a:rPr lang="en-US" sz="2200" b="0" i="0" u="none" strike="noStrike" cap="none" baseline="0" smtClean="0">
+              <a:rPr lang="en-US" sz="2200" b="0" i="0" u="none" strike="noStrike" cap="none" baseline="0">
                 <a:solidFill>
                   <a:srgbClr val="000000"/>
                 </a:solidFill>
@@ -12920,23 +12689,10 @@
                 <a:sym typeface="Arial"/>
                 <a:rtl val="0"/>
               </a:rPr>
-              <a:t>(</a:t>
-            </a:r>
-            <a:r>
-              <a:rPr lang="en-US" sz="2200" b="0" i="0" u="none" strike="noStrike" cap="none" baseline="0" smtClean="0">
-                <a:solidFill>
-                  <a:srgbClr val="000000"/>
-                </a:solidFill>
-                <a:latin typeface="Arial"/>
-                <a:ea typeface="Arial"/>
-                <a:cs typeface="Arial"/>
-                <a:sym typeface="Arial"/>
-                <a:rtl val="0"/>
-              </a:rPr>
-              <a:t>N.A.A.),</a:t>
-            </a:r>
-            <a:r>
-              <a:rPr lang="en-US" sz="2200" b="0" i="0" u="none" strike="noStrike" cap="none" smtClean="0">
+              <a:t>(N.A.A.),</a:t>
+            </a:r>
+            <a:r>
+              <a:rPr lang="en-US" sz="2200" b="0" i="0" u="none" strike="noStrike" cap="none">
                 <a:solidFill>
                   <a:srgbClr val="000000"/>
                 </a:solidFill>
@@ -12949,7 +12705,7 @@
               <a:t> </a:t>
             </a:r>
             <a:r>
-              <a:rPr lang="en-US" sz="2200" b="0" i="0" u="none" strike="noStrike" cap="none" dirty="0" smtClean="0">
+              <a:rPr lang="en-US" sz="2200" b="0" i="0" u="none" strike="noStrike" cap="none" dirty="0">
                 <a:solidFill>
                   <a:srgbClr val="000000"/>
                 </a:solidFill>
@@ -12962,7 +12718,7 @@
               <a:t>and the Loyola Marymount University Summer Undergraduate Research Program </a:t>
             </a:r>
             <a:r>
-              <a:rPr lang="en-US" sz="2200" b="0" i="0" u="none" strike="noStrike" cap="none" smtClean="0">
+              <a:rPr lang="en-US" sz="2200" b="0" i="0" u="none" strike="noStrike" cap="none">
                 <a:solidFill>
                   <a:srgbClr val="000000"/>
                 </a:solidFill>
@@ -12975,7 +12731,7 @@
               <a:t>(A.V.).</a:t>
             </a:r>
             <a:r>
-              <a:rPr lang="en-US" sz="2200" b="0" i="0" u="none" strike="noStrike" cap="none" baseline="0" smtClean="0">
+              <a:rPr lang="en-US" sz="2200" b="0" i="0" u="none" strike="noStrike" cap="none" baseline="0">
                 <a:solidFill>
                   <a:srgbClr val="000000"/>
                 </a:solidFill>
@@ -13036,7 +12792,7 @@
               <a:buChar char="•"/>
             </a:pPr>
             <a:r>
-              <a:rPr lang="en-US" sz="1150" smtClean="0"/>
+              <a:rPr lang="en-US" sz="1150"/>
               <a:t>Cytoscape: http://cytoscape.org</a:t>
             </a:r>
           </a:p>
@@ -13050,7 +12806,7 @@
               <a:buChar char="•"/>
             </a:pPr>
             <a:r>
-              <a:rPr lang="en-US" sz="1150" smtClean="0"/>
+              <a:rPr lang="en-US" sz="1150"/>
               <a:t>Dahlquist</a:t>
             </a:r>
             <a:r>
@@ -13103,11 +12859,7 @@
             </a:r>
             <a:r>
               <a:rPr lang="en-US" sz="1150"/>
-              <a:t>. </a:t>
-            </a:r>
-            <a:r>
-              <a:rPr lang="en-US" sz="1150" smtClean="0"/>
-              <a:t>DOI: </a:t>
+              <a:t>. DOI: </a:t>
             </a:r>
             <a:r>
               <a:rPr lang="en-US" sz="1150" dirty="0"/>
@@ -13189,43 +12941,23 @@
             </a:pPr>
             <a:r>
               <a:rPr lang="en-US" sz="1150"/>
-              <a:t>Freeman, S., </a:t>
-            </a:r>
-            <a:r>
-              <a:rPr lang="en-US" sz="1150" smtClean="0"/>
-              <a:t>(</a:t>
+              <a:t>Freeman, S., (2002). </a:t>
+            </a:r>
+            <a:r>
+              <a:rPr lang="en-US" sz="1150" i="1"/>
+              <a:t>Biological science</a:t>
             </a:r>
             <a:r>
               <a:rPr lang="en-US" sz="1150"/>
-              <a:t>2002). </a:t>
-            </a:r>
-            <a:r>
-              <a:rPr lang="en-US" sz="1150" i="1"/>
-              <a:t>Biological </a:t>
-            </a:r>
-            <a:r>
-              <a:rPr lang="en-US" sz="1150" i="1" smtClean="0"/>
-              <a:t>science</a:t>
-            </a:r>
-            <a:r>
-              <a:rPr lang="en-US" sz="1150" smtClean="0"/>
               <a:t>, 1</a:t>
             </a:r>
             <a:r>
-              <a:rPr lang="en-US" sz="1150" baseline="30000" smtClean="0"/>
+              <a:rPr lang="en-US" sz="1150" baseline="30000"/>
               <a:t>st</a:t>
             </a:r>
             <a:r>
-              <a:rPr lang="en-US" sz="1150" smtClean="0"/>
-              <a:t> edition. </a:t>
-            </a:r>
-            <a:r>
               <a:rPr lang="en-US" sz="1150"/>
-              <a:t>Upper Saddle River, NJ:: Prentice Hall</a:t>
-            </a:r>
-            <a:r>
-              <a:rPr lang="en-US" sz="1150" smtClean="0"/>
-              <a:t>.</a:t>
+              <a:t> edition. Upper Saddle River, NJ:: Prentice Hall.</a:t>
             </a:r>
           </a:p>
           <a:p>
@@ -13238,7 +12970,7 @@
               <a:buChar char="•"/>
             </a:pPr>
             <a:r>
-              <a:rPr lang="en-US" sz="1150" smtClean="0"/>
+              <a:rPr lang="en-US" sz="1150"/>
               <a:t>Gephi: https://gephi.org</a:t>
             </a:r>
           </a:p>
@@ -13252,7 +12984,7 @@
               <a:buChar char="•"/>
             </a:pPr>
             <a:r>
-              <a:rPr lang="en-US" sz="1150" smtClean="0"/>
+              <a:rPr lang="en-US" sz="1150"/>
               <a:t>GRNmap</a:t>
             </a:r>
             <a:r>
@@ -13370,7 +13102,7 @@
               <a:buNone/>
             </a:pPr>
             <a:r>
-              <a:rPr lang="en-US" sz="3600" b="0" i="0" u="none" strike="noStrike" cap="none" baseline="0" dirty="0" smtClean="0">
+              <a:rPr lang="en-US" sz="3600" b="0" i="0" u="none" strike="noStrike" cap="none" baseline="0" dirty="0">
                 <a:solidFill>
                   <a:srgbClr val="017C00"/>
                 </a:solidFill>
@@ -13383,7 +13115,7 @@
               <a:t>Gene Regulatory</a:t>
             </a:r>
             <a:r>
-              <a:rPr lang="en-US" sz="3600" b="0" i="0" u="none" strike="noStrike" cap="none" dirty="0" smtClean="0">
+              <a:rPr lang="en-US" sz="3600" b="0" i="0" u="none" strike="noStrike" cap="none" dirty="0">
                 <a:solidFill>
                   <a:srgbClr val="017C00"/>
                 </a:solidFill>
@@ -13396,7 +13128,7 @@
               <a:t> </a:t>
             </a:r>
             <a:r>
-              <a:rPr lang="en-US" sz="3600" b="0" i="0" u="none" strike="noStrike" cap="none" smtClean="0">
+              <a:rPr lang="en-US" sz="3600" b="0" i="0" u="none" strike="noStrike" cap="none">
                 <a:solidFill>
                   <a:srgbClr val="017C00"/>
                 </a:solidFill>
@@ -13409,7 +13141,7 @@
               <a:t>Networks (GRNs) Can </a:t>
             </a:r>
             <a:r>
-              <a:rPr lang="en-US" sz="3600" b="0" i="0" u="none" strike="noStrike" cap="none" dirty="0" smtClean="0">
+              <a:rPr lang="en-US" sz="3600" b="0" i="0" u="none" strike="noStrike" cap="none" dirty="0">
                 <a:solidFill>
                   <a:srgbClr val="017C00"/>
                 </a:solidFill>
@@ -13422,7 +13154,7 @@
               <a:t>Be </a:t>
             </a:r>
             <a:r>
-              <a:rPr lang="en-US" sz="3600" b="0" i="0" u="none" strike="noStrike" cap="none" smtClean="0">
+              <a:rPr lang="en-US" sz="3600" b="0" i="0" u="none" strike="noStrike" cap="none">
                 <a:solidFill>
                   <a:srgbClr val="017C00"/>
                 </a:solidFill>
@@ -13435,7 +13167,7 @@
               <a:t>Illustrated by </a:t>
             </a:r>
             <a:r>
-              <a:rPr lang="en-US" sz="3600" b="0" i="0" u="none" strike="noStrike" cap="none" dirty="0" smtClean="0">
+              <a:rPr lang="en-US" sz="3600" b="0" i="0" u="none" strike="noStrike" cap="none" dirty="0">
                 <a:solidFill>
                   <a:srgbClr val="017C00"/>
                 </a:solidFill>
@@ -13503,7 +13235,7 @@
               <a:buFont typeface="Arial"/>
               <a:buNone/>
             </a:pPr>
-            <a:endParaRPr lang="en-US" sz="2200" b="0" i="0" u="none" strike="noStrike" cap="none" baseline="0" dirty="0" smtClean="0">
+            <a:endParaRPr lang="en-US" sz="2200" b="0" i="0" u="none" strike="noStrike" cap="none" baseline="0" dirty="0">
               <a:solidFill>
                 <a:srgbClr val="000000"/>
               </a:solidFill>
@@ -13647,7 +13379,7 @@
               <a:buNone/>
             </a:pPr>
             <a:r>
-              <a:rPr lang="en-US" sz="3000" b="0" i="0" u="none" strike="noStrike" cap="none" baseline="0" dirty="0" err="1" smtClean="0">
+              <a:rPr lang="en-US" sz="3000" b="0" i="0" u="none" strike="noStrike" cap="none" baseline="0" dirty="0" err="1">
                 <a:solidFill>
                   <a:srgbClr val="017C00"/>
                 </a:solidFill>
@@ -13657,7 +13389,7 @@
               <a:t>GRNsight</a:t>
             </a:r>
             <a:r>
-              <a:rPr lang="en-US" sz="3000" b="0" i="0" u="none" strike="noStrike" cap="none" baseline="0" dirty="0" smtClean="0">
+              <a:rPr lang="en-US" sz="3000" b="0" i="0" u="none" strike="noStrike" cap="none" baseline="0" dirty="0">
                 <a:solidFill>
                   <a:srgbClr val="017C00"/>
                 </a:solidFill>
@@ -13667,7 +13399,7 @@
               <a:t> Has</a:t>
             </a:r>
             <a:r>
-              <a:rPr lang="en-US" sz="3000" b="0" i="0" u="none" strike="noStrike" cap="none" dirty="0" smtClean="0">
+              <a:rPr lang="en-US" sz="3000" b="0" i="0" u="none" strike="noStrike" cap="none" dirty="0">
                 <a:solidFill>
                   <a:srgbClr val="017C00"/>
                 </a:solidFill>
@@ -13685,7 +13417,7 @@
               <a:t>S</a:t>
             </a:r>
             <a:r>
-              <a:rPr lang="en-US" sz="3000" b="0" i="0" u="none" strike="noStrike" cap="none" dirty="0" smtClean="0">
+              <a:rPr lang="en-US" sz="3000" b="0" i="0" u="none" strike="noStrike" cap="none" dirty="0">
                 <a:solidFill>
                   <a:srgbClr val="017C00"/>
                 </a:solidFill>
@@ -13703,7 +13435,7 @@
               <a:t>A</a:t>
             </a:r>
             <a:r>
-              <a:rPr lang="en-US" sz="3000" b="0" i="0" u="none" strike="noStrike" cap="none" dirty="0" smtClean="0">
+              <a:rPr lang="en-US" sz="3000" b="0" i="0" u="none" strike="noStrike" cap="none" dirty="0">
                 <a:solidFill>
                   <a:srgbClr val="017C00"/>
                 </a:solidFill>
@@ -13713,7 +13445,7 @@
               <a:t>rchitecture and </a:t>
             </a:r>
             <a:r>
-              <a:rPr lang="en-US" sz="3000" b="0" i="0" u="none" strike="noStrike" cap="none" smtClean="0">
+              <a:rPr lang="en-US" sz="3000" b="0" i="0" u="none" strike="noStrike" cap="none">
                 <a:solidFill>
                   <a:srgbClr val="017C00"/>
                 </a:solidFill>
@@ -13742,7 +13474,7 @@
               <a:buNone/>
             </a:pPr>
             <a:r>
-              <a:rPr lang="en-US" sz="3000" b="0" i="0" u="none" strike="noStrike" cap="none" smtClean="0">
+              <a:rPr lang="en-US" sz="3000" b="0" i="0" u="none" strike="noStrike" cap="none">
                 <a:solidFill>
                   <a:srgbClr val="017C00"/>
                 </a:solidFill>
@@ -13752,7 +13484,7 @@
               <a:t>Open </a:t>
             </a:r>
             <a:r>
-              <a:rPr lang="en-US" sz="3000" b="0" i="0" u="none" strike="noStrike" cap="none" dirty="0" smtClean="0">
+              <a:rPr lang="en-US" sz="3000" b="0" i="0" u="none" strike="noStrike" cap="none" dirty="0">
                 <a:solidFill>
                   <a:srgbClr val="017C00"/>
                 </a:solidFill>
@@ -13770,7 +13502,7 @@
               <a:t>D</a:t>
             </a:r>
             <a:r>
-              <a:rPr lang="en-US" sz="3000" b="0" i="0" u="none" strike="noStrike" cap="none" dirty="0" smtClean="0">
+              <a:rPr lang="en-US" sz="3000" b="0" i="0" u="none" strike="noStrike" cap="none" dirty="0">
                 <a:solidFill>
                   <a:srgbClr val="017C00"/>
                 </a:solidFill>
@@ -13836,7 +13568,7 @@
               <a:buNone/>
             </a:pPr>
             <a:r>
-              <a:rPr lang="en-US" sz="3600" b="0" i="0" u="none" strike="noStrike" cap="none" baseline="0" dirty="0" err="1" smtClean="0">
+              <a:rPr lang="en-US" sz="3600" b="0" i="0" u="none" strike="noStrike" cap="none" baseline="0" dirty="0" err="1">
                 <a:solidFill>
                   <a:srgbClr val="017C00"/>
                 </a:solidFill>
@@ -13849,7 +13581,7 @@
               <a:t>GRNsight</a:t>
             </a:r>
             <a:r>
-              <a:rPr lang="en-US" sz="3600" b="0" i="0" u="none" strike="noStrike" cap="none" baseline="0" dirty="0" smtClean="0">
+              <a:rPr lang="en-US" sz="3600" b="0" i="0" u="none" strike="noStrike" cap="none" baseline="0" dirty="0">
                 <a:solidFill>
                   <a:srgbClr val="017C00"/>
                 </a:solidFill>
@@ -13870,7 +13602,7 @@
               <a:t>O</a:t>
             </a:r>
             <a:r>
-              <a:rPr lang="en-US" sz="3600" b="0" i="0" u="none" strike="noStrike" cap="none" baseline="0" dirty="0" smtClean="0">
+              <a:rPr lang="en-US" sz="3600" b="0" i="0" u="none" strike="noStrike" cap="none" baseline="0" dirty="0">
                 <a:solidFill>
                   <a:srgbClr val="017C00"/>
                 </a:solidFill>
@@ -13883,7 +13615,7 @@
               <a:t>ut </a:t>
             </a:r>
             <a:r>
-              <a:rPr lang="en-US" sz="3600" b="0" i="0" u="none" strike="noStrike" cap="none" baseline="0" dirty="0" err="1" smtClean="0">
+              <a:rPr lang="en-US" sz="3600" b="0" i="0" u="none" strike="noStrike" cap="none" baseline="0" dirty="0" err="1">
                 <a:solidFill>
                   <a:srgbClr val="017C00"/>
                 </a:solidFill>
@@ -13896,7 +13628,7 @@
               <a:t>Unweighted</a:t>
             </a:r>
             <a:r>
-              <a:rPr lang="en-US" sz="3600" b="0" i="0" u="none" strike="noStrike" cap="none" baseline="0" dirty="0" smtClean="0">
+              <a:rPr lang="en-US" sz="3600" b="0" i="0" u="none" strike="noStrike" cap="none" baseline="0" dirty="0">
                 <a:solidFill>
                   <a:srgbClr val="017C00"/>
                 </a:solidFill>
@@ -13909,7 +13641,7 @@
               <a:t> and </a:t>
             </a:r>
             <a:r>
-              <a:rPr lang="en-US" sz="3600" b="0" i="0" u="none" strike="noStrike" cap="none" baseline="0" smtClean="0">
+              <a:rPr lang="en-US" sz="3600" b="0" i="0" u="none" strike="noStrike" cap="none" baseline="0">
                 <a:solidFill>
                   <a:srgbClr val="017C00"/>
                 </a:solidFill>
@@ -14022,7 +13754,7 @@
               <a:t>The server uses the </a:t>
             </a:r>
             <a:r>
-              <a:rPr lang="en-US" sz="2200" dirty="0" err="1" smtClean="0">
+              <a:rPr lang="en-US" sz="2200" dirty="0" err="1">
                 <a:solidFill>
                   <a:schemeClr val="dk1"/>
                 </a:solidFill>
@@ -14030,20 +13762,12 @@
               <a:t>node.js</a:t>
             </a:r>
             <a:r>
-              <a:rPr lang="en-US" sz="2200" dirty="0" smtClean="0">
-                <a:solidFill>
-                  <a:schemeClr val="dk1"/>
-                </a:solidFill>
-              </a:rPr>
-              <a:t> </a:t>
-            </a:r>
-            <a:r>
               <a:rPr lang="en-US" sz="2200" dirty="0">
                 <a:solidFill>
                   <a:schemeClr val="dk1"/>
                 </a:solidFill>
               </a:rPr>
-              <a:t>framework to receive and parse the </a:t>
+              <a:t> framework to receive and parse the </a:t>
             </a:r>
             <a:r>
               <a:rPr lang="en-US" sz="2200">
@@ -14051,15 +13775,7 @@
                   <a:schemeClr val="dk1"/>
                 </a:solidFill>
               </a:rPr>
-              <a:t>Excel </a:t>
-            </a:r>
-            <a:r>
-              <a:rPr lang="en-US" sz="2200" smtClean="0">
-                <a:solidFill>
-                  <a:schemeClr val="dk1"/>
-                </a:solidFill>
-              </a:rPr>
-              <a:t>spreadsheet, SIF, or GraphML file </a:t>
+              <a:t>Excel spreadsheet, SIF, or GraphML file </a:t>
             </a:r>
             <a:r>
               <a:rPr lang="en-US" sz="2200" dirty="0">
@@ -14085,21 +13801,8 @@
                   <a:schemeClr val="dk1"/>
                 </a:solidFill>
               </a:rPr>
-              <a:t>The web client receives the data from the server and generates the graph visualization</a:t>
-            </a:r>
-            <a:r>
-              <a:rPr lang="en-US" sz="2200" dirty="0" smtClean="0">
-                <a:solidFill>
-                  <a:schemeClr val="dk1"/>
-                </a:solidFill>
-              </a:rPr>
-              <a:t>.</a:t>
-            </a:r>
-            <a:endParaRPr lang="en-US" sz="2200" dirty="0">
-              <a:solidFill>
-                <a:schemeClr val="dk1"/>
-              </a:solidFill>
-            </a:endParaRPr>
+              <a:t>The web client receives the data from the server and generates the graph visualization.</a:t>
+            </a:r>
           </a:p>
         </p:txBody>
       </p:sp>
@@ -14232,10 +13935,9 @@
           <a:lstStyle/>
           <a:p>
             <a:r>
-              <a:rPr lang="en-US" sz="2200" b="1" dirty="0" smtClean="0"/>
+              <a:rPr lang="en-US" sz="2200" b="1" dirty="0"/>
               <a:t>Excel Spreadsheet</a:t>
             </a:r>
-            <a:endParaRPr lang="en-US" sz="2200" b="1" dirty="0"/>
           </a:p>
         </p:txBody>
       </p:sp>
@@ -14263,22 +13965,21 @@
           <a:p>
             <a:pPr algn="ctr"/>
             <a:r>
-              <a:rPr lang="en-US" sz="2200" b="1" dirty="0" smtClean="0"/>
+              <a:rPr lang="en-US" sz="2200" b="1" dirty="0"/>
               <a:t> </a:t>
             </a:r>
             <a:r>
-              <a:rPr lang="en-US" sz="2200" b="1" err="1" smtClean="0"/>
+              <a:rPr lang="en-US" sz="2200" b="1" err="1"/>
               <a:t>Unweighted</a:t>
             </a:r>
             <a:r>
-              <a:rPr lang="en-US" sz="2200" b="1" smtClean="0"/>
+              <a:rPr lang="en-US" sz="2200" b="1"/>
               <a:t> graph </a:t>
             </a:r>
             <a:r>
-              <a:rPr lang="en-US" sz="2200" b="1" dirty="0" smtClean="0"/>
+              <a:rPr lang="en-US" sz="2200" b="1" dirty="0"/>
               <a:t>drawn manually with Adobe Illustrator</a:t>
             </a:r>
-            <a:endParaRPr lang="en-US" sz="2200" b="1" dirty="0"/>
           </a:p>
         </p:txBody>
       </p:sp>
@@ -14306,10 +14007,9 @@
           <a:p>
             <a:pPr algn="ctr"/>
             <a:r>
-              <a:rPr lang="en-US" sz="2200" dirty="0" smtClean="0"/>
+              <a:rPr lang="en-US" sz="2200" dirty="0"/>
               <a:t>Produced in ~10 milliseconds</a:t>
             </a:r>
-            <a:endParaRPr lang="en-US" sz="2200" dirty="0"/>
           </a:p>
         </p:txBody>
       </p:sp>
@@ -14337,10 +14037,9 @@
           <a:p>
             <a:pPr algn="ctr"/>
             <a:r>
-              <a:rPr lang="en-US" sz="2200" dirty="0" smtClean="0"/>
+              <a:rPr lang="en-US" sz="2200" dirty="0"/>
               <a:t>Produced in several hours </a:t>
             </a:r>
-            <a:endParaRPr lang="en-US" sz="2200" dirty="0"/>
           </a:p>
         </p:txBody>
       </p:sp>
@@ -14434,7 +14133,7 @@
           <a:lstStyle/>
           <a:p>
             <a:r>
-              <a:rPr lang="en-US" sz="2800" b="1" dirty="0" smtClean="0"/>
+              <a:rPr lang="en-US" sz="2800" b="1" dirty="0"/>
               <a:t>2</a:t>
             </a:r>
           </a:p>
@@ -14468,42 +14167,10 @@
               <a:buSzPct val="100000"/>
             </a:pPr>
             <a:r>
-              <a:rPr lang="en-US" sz="2200" b="1" dirty="0" smtClean="0"/>
-              <a:t>2. </a:t>
-            </a:r>
-            <a:r>
               <a:rPr lang="en-US" sz="2200" b="1" dirty="0"/>
-              <a:t>F</a:t>
-            </a:r>
-            <a:r>
-              <a:rPr lang="en-US" sz="2200" b="1" dirty="0" smtClean="0"/>
-              <a:t>orce </a:t>
-            </a:r>
-            <a:r>
-              <a:rPr lang="en-US" sz="2200" b="1" dirty="0"/>
-              <a:t>G</a:t>
-            </a:r>
-            <a:r>
-              <a:rPr lang="en-US" sz="2200" b="1" dirty="0" smtClean="0"/>
-              <a:t>raph </a:t>
-            </a:r>
-            <a:r>
-              <a:rPr lang="en-US" sz="2200" b="1" dirty="0"/>
-              <a:t>P</a:t>
-            </a:r>
-            <a:r>
-              <a:rPr lang="en-US" sz="2200" b="1" dirty="0" smtClean="0"/>
-              <a:t>arameter </a:t>
-            </a:r>
-            <a:r>
-              <a:rPr lang="en-US" sz="2200" b="1" dirty="0"/>
-              <a:t>S</a:t>
-            </a:r>
-            <a:r>
-              <a:rPr lang="en-US" sz="2200" b="1" dirty="0" smtClean="0"/>
-              <a:t>liders </a:t>
-            </a:r>
-            <a:endParaRPr lang="en-US" sz="2200" b="1" dirty="0" smtClean="0">
+              <a:t>2. Force Graph Parameter Sliders </a:t>
+            </a:r>
+            <a:endParaRPr lang="en-US" sz="2200" b="1" dirty="0">
               <a:solidFill>
                 <a:schemeClr val="dk1"/>
               </a:solidFill>
@@ -14519,7 +14186,7 @@
               <a:buChar char="•"/>
             </a:pPr>
             <a:r>
-              <a:rPr lang="en-US" sz="2000" dirty="0" smtClean="0">
+              <a:rPr lang="en-US" sz="2000" dirty="0">
                 <a:solidFill>
                   <a:schemeClr val="dk1"/>
                 </a:solidFill>
@@ -14537,28 +14204,12 @@
               <a:buChar char="•"/>
             </a:pPr>
             <a:r>
-              <a:rPr lang="en-US" sz="2000" dirty="0" smtClean="0">
-                <a:solidFill>
-                  <a:schemeClr val="dk1"/>
-                </a:solidFill>
-              </a:rPr>
-              <a:t>Nodes </a:t>
-            </a:r>
-            <a:r>
               <a:rPr lang="en-US" sz="2000" dirty="0">
                 <a:solidFill>
                   <a:schemeClr val="dk1"/>
                 </a:solidFill>
               </a:rPr>
-              <a:t>have a charge, which repels or attracts other </a:t>
-            </a:r>
-            <a:r>
-              <a:rPr lang="en-US" sz="2000" dirty="0" smtClean="0">
-                <a:solidFill>
-                  <a:schemeClr val="dk1"/>
-                </a:solidFill>
-              </a:rPr>
-              <a:t>nodes.</a:t>
+              <a:t>Nodes have a charge, which repels or attracts other nodes.</a:t>
             </a:r>
           </a:p>
           <a:p>
@@ -14570,92 +14221,60 @@
               <a:buFont typeface="Arial"/>
               <a:buChar char="•"/>
             </a:pPr>
-            <a:r>
-              <a:rPr lang="en-US" sz="2000" dirty="0" smtClean="0">
-                <a:solidFill>
-                  <a:schemeClr val="dk1"/>
-                </a:solidFill>
-              </a:rPr>
-              <a:t>The </a:t>
-            </a:r>
             <a:r>
               <a:rPr lang="en-US" sz="2000" dirty="0">
                 <a:solidFill>
                   <a:schemeClr val="dk1"/>
                 </a:solidFill>
               </a:rPr>
-              <a:t>charge distance determines </a:t>
-            </a:r>
-            <a:r>
-              <a:rPr lang="en-US" sz="2000" dirty="0" smtClean="0">
-                <a:solidFill>
-                  <a:schemeClr val="dk1"/>
-                </a:solidFill>
-              </a:rPr>
-              <a:t>at what range </a:t>
-            </a:r>
+              <a:t>The charge distance determines at what range a node’s charge will affect other nodes.</a:t>
+            </a:r>
+          </a:p>
+          <a:p>
+            <a:pPr marL="457200" lvl="0" indent="-236538">
+              <a:buClr>
+                <a:schemeClr val="dk1"/>
+              </a:buClr>
+              <a:buSzPct val="100000"/>
+              <a:buFont typeface="Arial"/>
+              <a:buChar char="•"/>
+            </a:pPr>
+            <a:r>
+              <a:rPr lang="en-US" sz="2000" dirty="0"/>
+              <a:t>Gravity determines the strength of the force holding the nodes to the center of the graph.</a:t>
+            </a:r>
+            <a:endParaRPr lang="en-US" sz="2000" dirty="0">
+              <a:solidFill>
+                <a:schemeClr val="dk1"/>
+              </a:solidFill>
+            </a:endParaRPr>
+          </a:p>
+          <a:p>
+            <a:pPr marL="457200" lvl="0" indent="-236538">
+              <a:buClr>
+                <a:schemeClr val="dk1"/>
+              </a:buClr>
+              <a:buSzPct val="100000"/>
+              <a:buFont typeface="Arial"/>
+              <a:buChar char="•"/>
+            </a:pPr>
             <a:r>
               <a:rPr lang="en-US" sz="2000" dirty="0">
                 <a:solidFill>
                   <a:schemeClr val="dk1"/>
                 </a:solidFill>
               </a:rPr>
-              <a:t>a node’s charge will affect other nodes</a:t>
-            </a:r>
-            <a:r>
-              <a:rPr lang="en-US" sz="2000" dirty="0" smtClean="0">
-                <a:solidFill>
-                  <a:schemeClr val="dk1"/>
-                </a:solidFill>
-              </a:rPr>
-              <a:t>.</a:t>
-            </a:r>
-          </a:p>
-          <a:p>
-            <a:pPr marL="457200" lvl="0" indent="-236538">
-              <a:buClr>
-                <a:schemeClr val="dk1"/>
-              </a:buClr>
-              <a:buSzPct val="100000"/>
-              <a:buFont typeface="Arial"/>
-              <a:buChar char="•"/>
-            </a:pPr>
-            <a:r>
-              <a:rPr lang="en-US" sz="2000" dirty="0"/>
-              <a:t>Gravity determines the strength of the force holding the nodes to the center of the graph.</a:t>
-            </a:r>
-            <a:endParaRPr lang="en-US" sz="2000" dirty="0" smtClean="0">
-              <a:solidFill>
-                <a:schemeClr val="dk1"/>
-              </a:solidFill>
-            </a:endParaRPr>
-          </a:p>
-          <a:p>
-            <a:pPr marL="457200" lvl="0" indent="-236538">
-              <a:buClr>
-                <a:schemeClr val="dk1"/>
-              </a:buClr>
-              <a:buSzPct val="100000"/>
-              <a:buFont typeface="Arial"/>
-              <a:buChar char="•"/>
-            </a:pPr>
-            <a:r>
-              <a:rPr lang="en-US" sz="2000" dirty="0" smtClean="0">
-                <a:solidFill>
-                  <a:schemeClr val="dk1"/>
-                </a:solidFill>
-              </a:rPr>
               <a:t>Reset functionality sets all parameters to </a:t>
             </a:r>
             <a:r>
-              <a:rPr lang="en-US" sz="2000" smtClean="0">
+              <a:rPr lang="en-US" sz="2000">
                 <a:solidFill>
                   <a:schemeClr val="dk1"/>
                 </a:solidFill>
               </a:rPr>
               <a:t>default settings.</a:t>
             </a:r>
-            <a:endParaRPr lang="en-US" sz="2000" dirty="0" smtClean="0">
+            <a:endParaRPr lang="en-US" sz="2000" dirty="0">
               <a:solidFill>
                 <a:schemeClr val="dk1"/>
               </a:solidFill>
@@ -14671,7 +14290,7 @@
               <a:buChar char="•"/>
             </a:pPr>
             <a:r>
-              <a:rPr lang="en-US" sz="2000" dirty="0" smtClean="0">
+              <a:rPr lang="en-US" sz="2000" dirty="0">
                 <a:solidFill>
                   <a:schemeClr val="dk1"/>
                 </a:solidFill>
@@ -14679,7 +14298,7 @@
               <a:t>Locking the parameters prevents any </a:t>
             </a:r>
             <a:r>
-              <a:rPr lang="en-US" sz="2000" smtClean="0">
+              <a:rPr lang="en-US" sz="2000">
                 <a:solidFill>
                   <a:schemeClr val="dk1"/>
                 </a:solidFill>
@@ -14722,12 +14341,8 @@
               <a:buSzPct val="25000"/>
             </a:pPr>
             <a:r>
-              <a:rPr lang="en-US" sz="2200" b="1" dirty="0" smtClean="0"/>
-              <a:t>1. Menu </a:t>
-            </a:r>
-            <a:r>
               <a:rPr lang="en-US" sz="2200" b="1" dirty="0"/>
-              <a:t>Bar</a:t>
+              <a:t>1. Menu Bar</a:t>
             </a:r>
             <a:r>
               <a:rPr lang="en-US" sz="2000" b="1" dirty="0"/>
@@ -14744,7 +14359,7 @@
               <a:buChar char="•"/>
             </a:pPr>
             <a:r>
-              <a:rPr lang="en-US" sz="2000" dirty="0" smtClean="0"/>
+              <a:rPr lang="en-US" sz="2000" dirty="0"/>
               <a:t>Four demo files can be found in the “Demo” menu for users who do not have their own data.</a:t>
             </a:r>
           </a:p>
@@ -14758,24 +14373,8 @@
               <a:buChar char="•"/>
             </a:pPr>
             <a:r>
-              <a:rPr lang="en-US" sz="2000" dirty="0" smtClean="0"/>
-              <a:t>Print </a:t>
-            </a:r>
-            <a:r>
               <a:rPr lang="en-US" sz="2000" dirty="0"/>
-              <a:t>functionality </a:t>
-            </a:r>
-            <a:r>
-              <a:rPr lang="en-US" sz="2000" dirty="0" smtClean="0"/>
-              <a:t>is accessed from the </a:t>
-            </a:r>
-            <a:r>
-              <a:rPr lang="en-US" sz="2000" dirty="0"/>
-              <a:t>“File” menu option</a:t>
-            </a:r>
-            <a:r>
-              <a:rPr lang="en-US" sz="2000" dirty="0" smtClean="0"/>
-              <a:t>.</a:t>
+              <a:t>Print functionality is accessed from the “File” menu option.</a:t>
             </a:r>
           </a:p>
           <a:p>
@@ -14787,29 +14386,13 @@
               <a:buFont typeface="Arial"/>
               <a:buChar char="•"/>
             </a:pPr>
-            <a:r>
-              <a:rPr lang="en-US" sz="2000" dirty="0" smtClean="0">
-                <a:solidFill>
-                  <a:schemeClr val="dk1"/>
-                </a:solidFill>
-              </a:rPr>
-              <a:t>“File &gt; Reload” </a:t>
-            </a:r>
             <a:r>
               <a:rPr lang="en-US" sz="2000" dirty="0">
                 <a:solidFill>
                   <a:schemeClr val="dk1"/>
                 </a:solidFill>
               </a:rPr>
-              <a:t>reloads the current graph with the active settings</a:t>
-            </a:r>
-            <a:r>
-              <a:rPr lang="en-US" sz="2000" dirty="0" smtClean="0">
-                <a:solidFill>
-                  <a:schemeClr val="dk1"/>
-                </a:solidFill>
-              </a:rPr>
-              <a:t>.</a:t>
+              <a:t>“File &gt; Reload” reloads the current graph with the active settings.</a:t>
             </a:r>
           </a:p>
           <a:p>
@@ -14827,15 +14410,15 @@
                   <a:schemeClr val="dk1"/>
                 </a:solidFill>
               </a:rPr>
-              <a:t>In the </a:t>
-            </a:r>
-            <a:r>
-              <a:rPr lang="en-US" sz="2000" dirty="0" smtClean="0">
+              <a:t>In the “Edit &gt; Preferences” menu, the user can select for weighted graphs to be displayed as </a:t>
+            </a:r>
+            <a:r>
+              <a:rPr lang="en-US" sz="2000" dirty="0" err="1">
                 <a:solidFill>
                   <a:schemeClr val="dk1"/>
                 </a:solidFill>
               </a:rPr>
-              <a:t>“Edit </a:t>
+              <a:t>unweighted</a:t>
             </a:r>
             <a:r>
               <a:rPr lang="en-US" sz="2000" dirty="0">
@@ -14843,69 +14426,8 @@
                   <a:schemeClr val="dk1"/>
                 </a:solidFill>
               </a:rPr>
-              <a:t>&gt; </a:t>
-            </a:r>
-            <a:r>
-              <a:rPr lang="en-US" sz="2000" dirty="0" smtClean="0">
-                <a:solidFill>
-                  <a:schemeClr val="dk1"/>
-                </a:solidFill>
-              </a:rPr>
-              <a:t>Preferences” menu, the </a:t>
-            </a:r>
-            <a:r>
-              <a:rPr lang="en-US" sz="2000" dirty="0">
-                <a:solidFill>
-                  <a:schemeClr val="dk1"/>
-                </a:solidFill>
-              </a:rPr>
-              <a:t>user can select for </a:t>
-            </a:r>
-            <a:r>
-              <a:rPr lang="en-US" sz="2000" dirty="0" smtClean="0">
-                <a:solidFill>
-                  <a:schemeClr val="dk1"/>
-                </a:solidFill>
-              </a:rPr>
-              <a:t>weighted </a:t>
-            </a:r>
-            <a:r>
-              <a:rPr lang="en-US" sz="2000" dirty="0">
-                <a:solidFill>
-                  <a:schemeClr val="dk1"/>
-                </a:solidFill>
-              </a:rPr>
-              <a:t>graphs to be displayed as </a:t>
-            </a:r>
-            <a:r>
-              <a:rPr lang="en-US" sz="2000" dirty="0" err="1" smtClean="0">
-                <a:solidFill>
-                  <a:schemeClr val="dk1"/>
-                </a:solidFill>
-              </a:rPr>
-              <a:t>unweighted</a:t>
-            </a:r>
-            <a:r>
-              <a:rPr lang="en-US" sz="2000" dirty="0">
-                <a:solidFill>
-                  <a:schemeClr val="dk1"/>
-                </a:solidFill>
-              </a:rPr>
-              <a:t> </a:t>
-            </a:r>
-            <a:r>
-              <a:rPr lang="en-US" sz="2000" dirty="0" smtClean="0">
-                <a:solidFill>
-                  <a:schemeClr val="dk1"/>
-                </a:solidFill>
-              </a:rPr>
-              <a:t>graphs.</a:t>
-            </a:r>
-            <a:endParaRPr lang="en-US" sz="2000" dirty="0">
-              <a:solidFill>
-                <a:schemeClr val="dk1"/>
-              </a:solidFill>
-            </a:endParaRPr>
+              <a:t> graphs.</a:t>
+            </a:r>
           </a:p>
         </p:txBody>
       </p:sp>
@@ -14955,10 +14477,9 @@
           <a:lstStyle/>
           <a:p>
             <a:r>
-              <a:rPr lang="en-US" sz="2800" b="1" dirty="0" smtClean="0"/>
+              <a:rPr lang="en-US" sz="2800" b="1" dirty="0"/>
               <a:t>3. Weighted graph laid out automatically</a:t>
             </a:r>
-            <a:endParaRPr lang="en-US" sz="2800" b="1" dirty="0"/>
           </a:p>
         </p:txBody>
       </p:sp>
@@ -15161,22 +14682,21 @@
           <a:p>
             <a:pPr algn="ctr"/>
             <a:r>
-              <a:rPr lang="en-US" sz="2200" b="1" dirty="0" err="1" smtClean="0"/>
+              <a:rPr lang="en-US" sz="2200" b="1" dirty="0" err="1"/>
               <a:t>Unweighted</a:t>
             </a:r>
             <a:r>
-              <a:rPr lang="en-US" sz="2200" b="1" dirty="0" smtClean="0"/>
+              <a:rPr lang="en-US" sz="2200" b="1" dirty="0"/>
               <a:t> graph laid out automatically by </a:t>
             </a:r>
             <a:r>
-              <a:rPr lang="en-US" sz="2200" b="1" dirty="0" err="1" smtClean="0"/>
+              <a:rPr lang="en-US" sz="2200" b="1" dirty="0" err="1"/>
               <a:t>GRNsight</a:t>
             </a:r>
             <a:r>
-              <a:rPr lang="en-US" sz="2200" b="1" dirty="0" smtClean="0"/>
+              <a:rPr lang="en-US" sz="2200" b="1" dirty="0"/>
               <a:t> and adjusted by hand</a:t>
             </a:r>
-            <a:endParaRPr lang="en-US" sz="2200" b="1" dirty="0"/>
           </a:p>
         </p:txBody>
       </p:sp>
@@ -15228,10 +14748,9 @@
           <a:p>
             <a:pPr algn="ctr"/>
             <a:r>
-              <a:rPr lang="en-US" sz="2200" dirty="0" smtClean="0"/>
+              <a:rPr lang="en-US" sz="2200" dirty="0"/>
               <a:t>Produced in ~5 minutes</a:t>
             </a:r>
-            <a:endParaRPr lang="en-US" sz="2200" dirty="0"/>
           </a:p>
         </p:txBody>
       </p:sp>
@@ -15259,18 +14778,17 @@
           <a:p>
             <a:pPr algn="ctr"/>
             <a:r>
-              <a:rPr lang="en-US" sz="2200" b="1" dirty="0" smtClean="0"/>
+              <a:rPr lang="en-US" sz="2200" b="1" dirty="0"/>
               <a:t>Weighted graph laid out automatically by </a:t>
             </a:r>
             <a:r>
-              <a:rPr lang="en-US" sz="2200" b="1" dirty="0" err="1" smtClean="0"/>
+              <a:rPr lang="en-US" sz="2200" b="1" dirty="0" err="1"/>
               <a:t>GRNsight</a:t>
             </a:r>
             <a:r>
-              <a:rPr lang="en-US" sz="2200" b="1" dirty="0" smtClean="0"/>
+              <a:rPr lang="en-US" sz="2200" b="1" dirty="0"/>
               <a:t> and adjusted by hand</a:t>
             </a:r>
-            <a:endParaRPr lang="en-US" sz="2200" b="1" dirty="0"/>
           </a:p>
         </p:txBody>
       </p:sp>
@@ -15298,10 +14816,9 @@
           <a:p>
             <a:pPr algn="ctr"/>
             <a:r>
-              <a:rPr lang="en-US" sz="2200" dirty="0" smtClean="0"/>
+              <a:rPr lang="en-US" sz="2200" dirty="0"/>
               <a:t>Produced in ~5 minutes</a:t>
             </a:r>
-            <a:endParaRPr lang="en-US" sz="2200" dirty="0"/>
           </a:p>
         </p:txBody>
       </p:sp>
@@ -15377,7 +14894,7 @@
               <a:buSzPct val="25000"/>
             </a:pPr>
             <a:r>
-              <a:rPr lang="en-US" sz="2200" b="1" dirty="0" err="1" smtClean="0">
+              <a:rPr lang="en-US" sz="2200" b="1" dirty="0" err="1">
                 <a:solidFill>
                   <a:schemeClr val="dk1"/>
                 </a:solidFill>
@@ -15385,20 +14902,12 @@
               <a:t>GRNsight</a:t>
             </a:r>
             <a:r>
-              <a:rPr lang="en-US" sz="2200" b="1" dirty="0" smtClean="0">
-                <a:solidFill>
-                  <a:schemeClr val="dk1"/>
-                </a:solidFill>
-              </a:rPr>
-              <a:t> </a:t>
-            </a:r>
-            <a:r>
               <a:rPr lang="en-US" sz="2200" b="1" dirty="0">
                 <a:solidFill>
                   <a:schemeClr val="dk1"/>
                 </a:solidFill>
               </a:rPr>
-              <a:t>implementation takes advantage of other open source tools</a:t>
+              <a:t> implementation takes advantage of other open source tools</a:t>
             </a:r>
           </a:p>
           <a:p>
@@ -15468,23 +14977,7 @@
                   <a:schemeClr val="dk1"/>
                 </a:solidFill>
               </a:rPr>
-              <a:t> implements D3’s force layout </a:t>
-            </a:r>
-            <a:r>
-              <a:rPr lang="en-US" sz="2200" dirty="0" smtClean="0">
-                <a:solidFill>
-                  <a:schemeClr val="dk1"/>
-                </a:solidFill>
-              </a:rPr>
-              <a:t>algorithm which </a:t>
-            </a:r>
-            <a:r>
-              <a:rPr lang="en-US" sz="2200" dirty="0">
-                <a:solidFill>
-                  <a:schemeClr val="dk1"/>
-                </a:solidFill>
-              </a:rPr>
-              <a:t>applies a physics-based simulation to the graph.</a:t>
+              <a:t> implements D3’s force layout algorithm which applies a physics-based simulation to the graph.</a:t>
             </a:r>
           </a:p>
           <a:p>
@@ -15520,19 +15013,7 @@
             </a:r>
             <a:r>
               <a:rPr lang="en-US" sz="2200" dirty="0"/>
-              <a:t> follows an open development model using an </a:t>
-            </a:r>
-            <a:r>
-              <a:rPr lang="en-US" sz="2200" dirty="0" smtClean="0"/>
-              <a:t>open source</a:t>
-            </a:r>
-            <a:r>
-              <a:rPr lang="en-US" sz="2200" dirty="0"/>
-              <a:t> github.com code repository and issue tracking</a:t>
-            </a:r>
-            <a:r>
-              <a:rPr lang="en-US" sz="2200" dirty="0" smtClean="0"/>
-              <a:t>.</a:t>
+              <a:t> follows an open development model using an open source github.com code repository and issue tracking.</a:t>
             </a:r>
           </a:p>
         </p:txBody>
@@ -15604,7 +15085,7 @@
               <a:buNone/>
             </a:pPr>
             <a:r>
-              <a:rPr lang="en-US" sz="2200" b="1" dirty="0" smtClean="0">
+              <a:rPr lang="en-US" sz="2200" b="1" dirty="0">
                 <a:solidFill>
                   <a:schemeClr val="dk1"/>
                 </a:solidFill>
@@ -15612,7 +15093,7 @@
               <a:t>3. Nodes, </a:t>
             </a:r>
             <a:r>
-              <a:rPr lang="en-US" sz="2200" b="1" i="0" u="none" strike="noStrike" cap="none" baseline="0" dirty="0" smtClean="0">
+              <a:rPr lang="en-US" sz="2200" b="1" i="0" u="none" strike="noStrike" cap="none" baseline="0" dirty="0">
                 <a:solidFill>
                   <a:schemeClr val="dk1"/>
                 </a:solidFill>
@@ -15622,7 +15103,7 @@
               <a:t>Edges,</a:t>
             </a:r>
             <a:r>
-              <a:rPr lang="en-US" sz="2200" b="1" i="0" u="none" strike="noStrike" cap="none" dirty="0" smtClean="0">
+              <a:rPr lang="en-US" sz="2200" b="1" i="0" u="none" strike="noStrike" cap="none" dirty="0">
                 <a:solidFill>
                   <a:schemeClr val="dk1"/>
                 </a:solidFill>
@@ -15632,7 +15113,7 @@
               <a:t> </a:t>
             </a:r>
             <a:r>
-              <a:rPr lang="en-US" sz="2200" b="1" i="0" u="none" strike="noStrike" cap="none" baseline="0" dirty="0" smtClean="0">
+              <a:rPr lang="en-US" sz="2200" b="1" i="0" u="none" strike="noStrike" cap="none" baseline="0" dirty="0">
                 <a:solidFill>
                   <a:schemeClr val="dk1"/>
                 </a:solidFill>
@@ -15661,7 +15142,7 @@
               <a:buChar char="•"/>
             </a:pPr>
             <a:r>
-              <a:rPr lang="en-US" sz="2000" b="0" i="0" u="none" strike="noStrike" cap="none" baseline="0" dirty="0" smtClean="0">
+              <a:rPr lang="en-US" sz="2000" b="0" i="0" u="none" strike="noStrike" cap="none" baseline="0" dirty="0">
                 <a:solidFill>
                   <a:srgbClr val="000000"/>
                 </a:solidFill>
@@ -15671,7 +15152,7 @@
               <a:t>The absolute values of each weight parameter</a:t>
             </a:r>
             <a:r>
-              <a:rPr lang="en-US" sz="2000" b="0" i="0" u="none" strike="noStrike" cap="none" dirty="0" smtClean="0">
+              <a:rPr lang="en-US" sz="2000" b="0" i="0" u="none" strike="noStrike" cap="none" dirty="0">
                 <a:solidFill>
                   <a:srgbClr val="000000"/>
                 </a:solidFill>
@@ -15681,7 +15162,7 @@
               <a:t> are normalized to a value between 0 and 1. </a:t>
             </a:r>
             <a:r>
-              <a:rPr lang="en-US" sz="2000" b="0" i="0" u="none" strike="noStrike" cap="none" baseline="0" dirty="0" smtClean="0">
+              <a:rPr lang="en-US" sz="2000" b="0" i="0" u="none" strike="noStrike" cap="none" baseline="0" dirty="0">
                 <a:solidFill>
                   <a:srgbClr val="000000"/>
                 </a:solidFill>
@@ -15691,7 +15172,7 @@
               <a:t>The</a:t>
             </a:r>
             <a:r>
-              <a:rPr lang="en-US" sz="2000" b="0" i="0" u="none" strike="noStrike" cap="none" dirty="0" smtClean="0">
+              <a:rPr lang="en-US" sz="2000" b="0" i="0" u="none" strike="noStrike" cap="none" dirty="0">
                 <a:solidFill>
                   <a:srgbClr val="000000"/>
                 </a:solidFill>
@@ -15701,16 +15182,6 @@
               <a:t> </a:t>
             </a:r>
             <a:r>
-              <a:rPr lang="en-US" sz="2000" b="0" i="0" u="none" strike="noStrike" cap="none" baseline="0" dirty="0" smtClean="0">
-                <a:solidFill>
-                  <a:srgbClr val="000000"/>
-                </a:solidFill>
-                <a:sym typeface="Arial"/>
-                <a:rtl val="0"/>
-              </a:rPr>
-              <a:t>thicknesses of the </a:t>
-            </a:r>
-            <a:r>
               <a:rPr lang="en-US" sz="2000" b="0" i="0" u="none" strike="noStrike" cap="none" baseline="0" dirty="0">
                 <a:solidFill>
                   <a:srgbClr val="000000"/>
@@ -15718,47 +15189,7 @@
                 <a:sym typeface="Arial"/>
                 <a:rtl val="0"/>
               </a:rPr>
-              <a:t>lines are adjusted to vary continuously from the minimum thickness (for normalized weights near </a:t>
-            </a:r>
-            <a:r>
-              <a:rPr lang="en-US" sz="2000" b="0" i="0" u="none" strike="noStrike" cap="none" baseline="0" dirty="0" smtClean="0">
-                <a:solidFill>
-                  <a:srgbClr val="000000"/>
-                </a:solidFill>
-                <a:sym typeface="Arial"/>
-                <a:rtl val="0"/>
-              </a:rPr>
-              <a:t>zero) </a:t>
-            </a:r>
-            <a:r>
-              <a:rPr lang="en-US" sz="2000" b="0" i="0" u="none" strike="noStrike" cap="none" baseline="0" dirty="0">
-                <a:solidFill>
-                  <a:srgbClr val="000000"/>
-                </a:solidFill>
-                <a:sym typeface="Arial"/>
-                <a:rtl val="0"/>
-              </a:rPr>
-              <a:t>to the maximum thickness </a:t>
-            </a:r>
-            <a:r>
-              <a:rPr lang="en-US" sz="2000" b="0" i="0" u="none" strike="noStrike" cap="none" baseline="0" dirty="0" smtClean="0">
-                <a:solidFill>
-                  <a:srgbClr val="000000"/>
-                </a:solidFill>
-                <a:sym typeface="Arial"/>
-                <a:rtl val="0"/>
-              </a:rPr>
-              <a:t>(normalized weights </a:t>
-            </a:r>
-            <a:r>
-              <a:rPr lang="en-US" sz="2000" b="0" i="0" u="none" strike="noStrike" cap="none" baseline="0" dirty="0">
-                <a:solidFill>
-                  <a:srgbClr val="000000"/>
-                </a:solidFill>
-                <a:sym typeface="Arial"/>
-                <a:rtl val="0"/>
-              </a:rPr>
-              <a:t>of 1). </a:t>
+              <a:t>thicknesses of the lines are adjusted to vary continuously from the minimum thickness (for normalized weights near zero) to the maximum thickness (normalized weights of 1). </a:t>
             </a:r>
             <a:endParaRPr lang="en-US" sz="2000" dirty="0"/>
           </a:p>
@@ -15781,50 +15212,13 @@
               <a:buChar char="•"/>
             </a:pPr>
             <a:r>
-              <a:rPr lang="en-US" sz="2000" dirty="0" smtClean="0">
+              <a:rPr lang="en-US" sz="2000" dirty="0">
                 <a:solidFill>
                   <a:schemeClr val="dk1"/>
                 </a:solidFill>
               </a:rPr>
-              <a:t>Edges with negative weights (repression) are </a:t>
-            </a:r>
-            <a:r>
-              <a:rPr lang="en-US" sz="2000" smtClean="0">
-                <a:solidFill>
-                  <a:schemeClr val="dk1"/>
-                </a:solidFill>
-              </a:rPr>
-              <a:t>colored cyan with blunt end markers; </a:t>
-            </a:r>
-            <a:r>
-              <a:rPr lang="en-US" sz="2000" dirty="0" smtClean="0">
-                <a:solidFill>
-                  <a:schemeClr val="dk1"/>
-                </a:solidFill>
-              </a:rPr>
-              <a:t>edges with positive weights (activation) are </a:t>
-            </a:r>
-            <a:r>
-              <a:rPr lang="en-US" sz="2000" smtClean="0">
-                <a:solidFill>
-                  <a:schemeClr val="dk1"/>
-                </a:solidFill>
-              </a:rPr>
-              <a:t>colored magenta with pointed arrowheads; </a:t>
-            </a:r>
-            <a:r>
-              <a:rPr lang="en-US" sz="2000" dirty="0" smtClean="0">
-                <a:solidFill>
-                  <a:schemeClr val="dk1"/>
-                </a:solidFill>
-              </a:rPr>
-              <a:t>edges with normalized weight values between -0.05 and 0.05 are colored grey to signify a weak influence on the target gene.</a:t>
-            </a:r>
-            <a:endParaRPr lang="en-US" sz="2000" dirty="0">
-              <a:solidFill>
-                <a:schemeClr val="dk1"/>
-              </a:solidFill>
-            </a:endParaRPr>
+              <a:t>Edges with negative weights (repression) are colored cyan with blunt end markers; edges with positive weights (activation) are colored magenta with pointed arrowheads; edges with normalized weight values between -0.05 and 0.05 are colored grey to signify a weak influence on the target gene.</a:t>
+            </a:r>
           </a:p>
         </p:txBody>
       </p:sp>
@@ -15851,10 +15245,9 @@
           <a:lstStyle/>
           <a:p>
             <a:r>
-              <a:rPr lang="en-US" sz="2800" b="1" dirty="0" smtClean="0"/>
+              <a:rPr lang="en-US" sz="2800" b="1" dirty="0"/>
               <a:t>1</a:t>
             </a:r>
-            <a:endParaRPr lang="en-US" sz="2800" b="1" dirty="0"/>
           </a:p>
         </p:txBody>
       </p:sp>
@@ -16034,7 +15427,7 @@
           <a:lstStyle/>
           <a:p>
             <a:r>
-              <a:rPr lang="en-US" sz="2400" b="1" dirty="0" smtClean="0"/>
+              <a:rPr lang="en-US" sz="2400" b="1" dirty="0"/>
               <a:t>4. Status Bar</a:t>
             </a:r>
           </a:p>
@@ -16044,7 +15437,7 @@
               <a:buChar char="•"/>
             </a:pPr>
             <a:r>
-              <a:rPr lang="en-US" sz="2000" dirty="0" smtClean="0"/>
+              <a:rPr lang="en-US" sz="2000" dirty="0"/>
               <a:t>The name of the uploaded file is displayed.</a:t>
             </a:r>
           </a:p>
@@ -16054,10 +15447,9 @@
               <a:buChar char="•"/>
             </a:pPr>
             <a:r>
-              <a:rPr lang="en-US" sz="2000" dirty="0" smtClean="0"/>
+              <a:rPr lang="en-US" sz="2000" dirty="0"/>
               <a:t>The number of nodes and edges of the graph are displayed in the far right hand side.</a:t>
             </a:r>
-            <a:endParaRPr lang="en-US" sz="2000" dirty="0"/>
           </a:p>
         </p:txBody>
       </p:sp>
@@ -16131,16 +15523,6 @@
               </a:rPr>
               <a:t> is free and open to all users and there is no login requirement. </a:t>
             </a:r>
-            <a:endParaRPr lang="en-US" sz="2200" b="0" i="0" u="none" strike="noStrike" cap="none" baseline="0" dirty="0" smtClean="0">
-              <a:solidFill>
-                <a:schemeClr val="dk1"/>
-              </a:solidFill>
-              <a:latin typeface="Arial"/>
-              <a:ea typeface="Arial"/>
-              <a:cs typeface="Arial"/>
-              <a:sym typeface="Arial"/>
-              <a:rtl val="0"/>
-            </a:endParaRPr>
           </a:p>
           <a:p>
             <a:pPr marL="236538" marR="0" lvl="0" indent="-231775" algn="l" rtl="0">
@@ -16160,19 +15542,6 @@
               <a:buFont typeface="Arial"/>
               <a:buChar char="•"/>
             </a:pPr>
-            <a:r>
-              <a:rPr lang="en-US" sz="2200" b="0" i="0" u="none" strike="noStrike" cap="none" baseline="0" dirty="0" smtClean="0">
-                <a:solidFill>
-                  <a:schemeClr val="dk1"/>
-                </a:solidFill>
-                <a:latin typeface="Arial"/>
-                <a:ea typeface="Arial"/>
-                <a:cs typeface="Arial"/>
-                <a:sym typeface="Arial"/>
-                <a:rtl val="0"/>
-              </a:rPr>
-              <a:t>Web </a:t>
-            </a:r>
             <a:r>
               <a:rPr lang="en-US" sz="2200" b="0" i="0" u="none" strike="noStrike" cap="none" baseline="0" dirty="0">
                 <a:solidFill>
@@ -16184,20 +15553,7 @@
                 <a:sym typeface="Arial"/>
                 <a:rtl val="0"/>
               </a:rPr>
-              <a:t>site content is available under the Creative Commons Attribution Non-Commercial Share Alike </a:t>
-            </a:r>
-            <a:r>
-              <a:rPr lang="en-US" sz="2200" b="0" i="0" u="none" strike="noStrike" cap="none" baseline="0" dirty="0" smtClean="0">
-                <a:solidFill>
-                  <a:schemeClr val="dk1"/>
-                </a:solidFill>
-                <a:latin typeface="Arial"/>
-                <a:ea typeface="Arial"/>
-                <a:cs typeface="Arial"/>
-                <a:sym typeface="Arial"/>
-                <a:rtl val="0"/>
-              </a:rPr>
-              <a:t>license.</a:t>
+              <a:t>Web site content is available under the Creative Commons Attribution Non-Commercial Share Alike license.</a:t>
             </a:r>
           </a:p>
           <a:p>
@@ -16219,7 +15575,7 @@
               <a:buChar char="•"/>
             </a:pPr>
             <a:r>
-              <a:rPr lang="en-US" sz="2200" b="0" i="0" u="none" strike="noStrike" cap="none" baseline="0" dirty="0" err="1" smtClean="0">
+              <a:rPr lang="en-US" sz="2200" b="0" i="0" u="none" strike="noStrike" cap="none" baseline="0" dirty="0" err="1">
                 <a:solidFill>
                   <a:schemeClr val="dk1"/>
                 </a:solidFill>
@@ -16232,19 +15588,6 @@
               <a:t>GRNsight</a:t>
             </a:r>
             <a:r>
-              <a:rPr lang="en-US" sz="2200" b="0" i="0" u="none" strike="noStrike" cap="none" baseline="0" dirty="0" smtClean="0">
-                <a:solidFill>
-                  <a:schemeClr val="dk1"/>
-                </a:solidFill>
-                <a:latin typeface="Arial"/>
-                <a:ea typeface="Arial"/>
-                <a:cs typeface="Arial"/>
-                <a:sym typeface="Arial"/>
-                <a:rtl val="0"/>
-              </a:rPr>
-              <a:t> </a:t>
-            </a:r>
-            <a:r>
               <a:rPr lang="en-US" sz="2200" b="0" i="0" u="none" strike="noStrike" cap="none" baseline="0" dirty="0">
                 <a:solidFill>
                   <a:schemeClr val="dk1"/>
@@ -16255,20 +15598,7 @@
                 <a:sym typeface="Arial"/>
                 <a:rtl val="0"/>
               </a:rPr>
-              <a:t>code is available under the open source BSD license</a:t>
-            </a:r>
-            <a:r>
-              <a:rPr lang="en-US" sz="2200" b="0" i="0" u="none" strike="noStrike" cap="none" baseline="0" dirty="0" smtClean="0">
-                <a:solidFill>
-                  <a:schemeClr val="dk1"/>
-                </a:solidFill>
-                <a:latin typeface="Arial"/>
-                <a:ea typeface="Arial"/>
-                <a:cs typeface="Arial"/>
-                <a:sym typeface="Arial"/>
-                <a:rtl val="0"/>
-              </a:rPr>
-              <a:t>.</a:t>
+              <a:t> code is available under the open source BSD license.</a:t>
             </a:r>
           </a:p>
           <a:p>
@@ -16290,7 +15620,7 @@
               <a:buChar char="•"/>
             </a:pPr>
             <a:r>
-              <a:rPr lang="en-US" sz="2200" dirty="0" smtClean="0">
+              <a:rPr lang="en-US" sz="2200" dirty="0">
                 <a:solidFill>
                   <a:schemeClr val="dk1"/>
                 </a:solidFill>
@@ -16321,69 +15651,8 @@
                   <a:schemeClr val="tx1"/>
                 </a:solidFill>
               </a:rPr>
-              <a:t> has been tested with and confirmed to be working in Chrome version </a:t>
-            </a:r>
-            <a:r>
-              <a:rPr lang="en-US" sz="2200" dirty="0" smtClean="0">
-                <a:solidFill>
-                  <a:schemeClr val="tx1"/>
-                </a:solidFill>
-              </a:rPr>
-              <a:t>43 </a:t>
-            </a:r>
-            <a:r>
-              <a:rPr lang="en-US" sz="2200" dirty="0">
-                <a:solidFill>
-                  <a:schemeClr val="tx1"/>
-                </a:solidFill>
-              </a:rPr>
-              <a:t>or higher and Firefox version </a:t>
-            </a:r>
-            <a:r>
-              <a:rPr lang="en-US" sz="2200" dirty="0" smtClean="0">
-                <a:solidFill>
-                  <a:schemeClr val="tx1"/>
-                </a:solidFill>
-              </a:rPr>
-              <a:t>38 </a:t>
-            </a:r>
-            <a:r>
-              <a:rPr lang="en-US" sz="2200" dirty="0">
-                <a:solidFill>
-                  <a:schemeClr val="tx1"/>
-                </a:solidFill>
-              </a:rPr>
-              <a:t>or higher on </a:t>
-            </a:r>
-            <a:r>
-              <a:rPr lang="en-US" sz="2200" dirty="0" smtClean="0">
-                <a:solidFill>
-                  <a:schemeClr val="tx1"/>
-                </a:solidFill>
-              </a:rPr>
-              <a:t>Windows 7 </a:t>
-            </a:r>
-            <a:r>
-              <a:rPr lang="en-US" sz="2200" dirty="0">
-                <a:solidFill>
-                  <a:schemeClr val="tx1"/>
-                </a:solidFill>
-              </a:rPr>
-              <a:t>and Mac OS </a:t>
-            </a:r>
-            <a:r>
-              <a:rPr lang="en-US" sz="2200" dirty="0" smtClean="0">
-                <a:solidFill>
-                  <a:schemeClr val="tx1"/>
-                </a:solidFill>
-              </a:rPr>
-              <a:t>X.</a:t>
-            </a:r>
-            <a:endParaRPr lang="en-US" sz="2200" dirty="0">
-              <a:solidFill>
-                <a:schemeClr val="tx1"/>
-              </a:solidFill>
-            </a:endParaRPr>
+              <a:t> has been tested with and confirmed to be working in Chrome version 43 or higher and Firefox version 38 or higher on Windows 7 and Mac OS X.</a:t>
+            </a:r>
           </a:p>
           <a:p>
             <a:pPr marL="236538" marR="0" lvl="0" indent="-231775" algn="l" rtl="0">
@@ -16439,10 +15708,9 @@
           <a:lstStyle/>
           <a:p>
             <a:r>
-              <a:rPr lang="en-US" b="1" dirty="0" smtClean="0"/>
+              <a:rPr lang="en-US" b="1" dirty="0"/>
               <a:t>DNA</a:t>
             </a:r>
-            <a:endParaRPr lang="en-US" b="1" dirty="0"/>
           </a:p>
         </p:txBody>
       </p:sp>
@@ -16469,10 +15737,9 @@
           <a:lstStyle/>
           <a:p>
             <a:r>
-              <a:rPr lang="en-US" b="1" dirty="0" smtClean="0"/>
+              <a:rPr lang="en-US" b="1" dirty="0"/>
               <a:t>RNA</a:t>
             </a:r>
-            <a:endParaRPr lang="en-US" b="1" dirty="0"/>
           </a:p>
         </p:txBody>
       </p:sp>
@@ -16499,10 +15766,9 @@
           <a:lstStyle/>
           <a:p>
             <a:r>
-              <a:rPr lang="en-US" b="1" dirty="0" smtClean="0"/>
+              <a:rPr lang="en-US" b="1" dirty="0"/>
               <a:t>Protein</a:t>
             </a:r>
-            <a:endParaRPr lang="en-US" b="1" dirty="0"/>
           </a:p>
         </p:txBody>
       </p:sp>
@@ -16553,7 +15819,7 @@
               <a:buNone/>
             </a:pPr>
             <a:r>
-              <a:rPr lang="en-US" sz="3600" b="0" i="0" u="none" strike="noStrike" cap="none" baseline="0" dirty="0" smtClean="0">
+              <a:rPr lang="en-US" sz="3600" b="0" i="0" u="none" strike="noStrike" cap="none" baseline="0" dirty="0">
                 <a:solidFill>
                   <a:srgbClr val="017C00"/>
                 </a:solidFill>
@@ -16566,7 +15832,7 @@
               <a:t>Improved Visual</a:t>
             </a:r>
             <a:r>
-              <a:rPr lang="en-US" sz="3600" b="0" i="0" u="none" strike="noStrike" cap="none" dirty="0" smtClean="0">
+              <a:rPr lang="en-US" sz="3600" b="0" i="0" u="none" strike="noStrike" cap="none" dirty="0">
                 <a:solidFill>
                   <a:srgbClr val="017C00"/>
                 </a:solidFill>
@@ -16674,15 +15940,7 @@
                   <a:schemeClr val="dk1"/>
                 </a:solidFill>
               </a:rPr>
-              <a:t> Beta </a:t>
-            </a:r>
-            <a:r>
-              <a:rPr lang="en-US" sz="2200" b="1" dirty="0" smtClean="0">
-                <a:solidFill>
-                  <a:schemeClr val="dk1"/>
-                </a:solidFill>
-              </a:rPr>
-              <a:t>displays enhanced visual performance</a:t>
+              <a:t> Beta displays enhanced visual performance</a:t>
             </a:r>
             <a:endParaRPr lang="en-US" sz="2200" dirty="0">
               <a:solidFill>
@@ -16734,7 +15992,7 @@
               <a:buSzPct val="100000"/>
             </a:pPr>
             <a:r>
-              <a:rPr lang="en-US" sz="2200" b="1" dirty="0" smtClean="0"/>
+              <a:rPr lang="en-US" sz="2200" b="1" dirty="0"/>
               <a:t>Node adjustments</a:t>
             </a:r>
           </a:p>
@@ -16748,7 +16006,7 @@
               <a:buChar char="•"/>
             </a:pPr>
             <a:r>
-              <a:rPr lang="en-US" sz="2200" dirty="0" smtClean="0"/>
+              <a:rPr lang="en-US" sz="2200" dirty="0"/>
               <a:t>Long node labels with unpleasing self-regulatory arrows are now adjusted to start from the end of the node regardless of the length of the node and the thickness of the edge.</a:t>
             </a:r>
             <a:endParaRPr lang="en-US" sz="2200" dirty="0">
@@ -16818,14 +16076,14 @@
               <a:buSzPct val="100000"/>
             </a:pPr>
             <a:r>
-              <a:rPr lang="en-US" sz="2200" b="1" dirty="0" smtClean="0">
+              <a:rPr lang="en-US" sz="2200" b="1" dirty="0">
                 <a:solidFill>
                   <a:schemeClr val="dk1"/>
                 </a:solidFill>
               </a:rPr>
               <a:t>Arrowhead Adjustments</a:t>
             </a:r>
-            <a:endParaRPr lang="en-US" sz="2200" dirty="0" smtClean="0"/>
+            <a:endParaRPr lang="en-US" sz="2200" dirty="0"/>
           </a:p>
           <a:p>
             <a:pPr marL="236538" lvl="0" indent="-236538">
@@ -16837,7 +16095,7 @@
               <a:buChar char="•"/>
             </a:pPr>
             <a:r>
-              <a:rPr lang="en-US" sz="2200" dirty="0" smtClean="0"/>
+              <a:rPr lang="en-US" sz="2200" dirty="0"/>
               <a:t>The arrowheads are centered on the edge and the tips are hidden underneath the node, especially compared to the previous version</a:t>
             </a:r>
           </a:p>
@@ -16890,7 +16148,7 @@
               <a:buNone/>
             </a:pPr>
             <a:r>
-              <a:rPr lang="en-US" sz="3600" b="0" i="0" u="none" strike="noStrike" cap="none" baseline="0" dirty="0" smtClean="0">
+              <a:rPr lang="en-US" sz="3600" b="0" i="0" u="none" strike="noStrike" cap="none" baseline="0" dirty="0">
                 <a:solidFill>
                   <a:srgbClr val="017C00"/>
                 </a:solidFill>
@@ -16902,16 +16160,6 @@
               </a:rPr>
               <a:t>Unit Testing Framework Was Optimized</a:t>
             </a:r>
-            <a:endParaRPr lang="en-US" sz="3600" b="0" i="0" u="none" strike="noStrike" cap="none" baseline="0" dirty="0">
-              <a:solidFill>
-                <a:srgbClr val="017C00"/>
-              </a:solidFill>
-              <a:latin typeface="Arial"/>
-              <a:ea typeface="Arial"/>
-              <a:cs typeface="Arial"/>
-              <a:sym typeface="Arial"/>
-              <a:rtl val="0"/>
-            </a:endParaRPr>
           </a:p>
         </p:txBody>
       </p:sp>
@@ -16945,29 +16193,8 @@
             </a:pPr>
             <a:r>
               <a:rPr lang="en-US" sz="2200" b="1" dirty="0"/>
-              <a:t>Error </a:t>
-            </a:r>
-            <a:r>
-              <a:rPr lang="en-US" sz="2200" b="1" dirty="0" smtClean="0"/>
-              <a:t>catching </a:t>
-            </a:r>
-            <a:r>
-              <a:rPr lang="en-US" sz="2200" b="1" dirty="0"/>
-              <a:t>was </a:t>
-            </a:r>
-            <a:r>
-              <a:rPr lang="en-US" sz="2200" b="1" dirty="0" smtClean="0"/>
-              <a:t>greatly </a:t>
-            </a:r>
-            <a:r>
-              <a:rPr lang="en-US" sz="2200" b="1" dirty="0"/>
-              <a:t>i</a:t>
-            </a:r>
-            <a:r>
-              <a:rPr lang="en-US" sz="2200" b="1" dirty="0" smtClean="0"/>
-              <a:t>mproved </a:t>
-            </a:r>
-            <a:endParaRPr lang="en-US" sz="2200" b="1" dirty="0"/>
+              <a:t>Error catching was greatly improved </a:t>
+            </a:r>
           </a:p>
           <a:p>
             <a:pPr marL="236538" lvl="0" indent="-236538">
@@ -17002,23 +16229,7 @@
             </a:r>
             <a:r>
               <a:rPr lang="en-US" sz="2200" dirty="0"/>
-              <a:t> returns an </a:t>
-            </a:r>
-            <a:r>
-              <a:rPr lang="en-US" sz="2200" dirty="0" smtClean="0"/>
-              <a:t>error in </a:t>
-            </a:r>
-            <a:r>
-              <a:rPr lang="en-US" sz="2200" dirty="0"/>
-              <a:t>a </a:t>
-            </a:r>
-            <a:r>
-              <a:rPr lang="en-US" sz="2200" dirty="0" smtClean="0"/>
-              <a:t>modal window</a:t>
-            </a:r>
-            <a:r>
-              <a:rPr lang="en-US" sz="2200" dirty="0"/>
-              <a:t>.</a:t>
+              <a:t> returns an error in a modal window.</a:t>
             </a:r>
           </a:p>
         </p:txBody>
@@ -17072,61 +16283,9 @@
             <a:pPr lvl="0"/>
             <a:r>
               <a:rPr lang="en-US" sz="2200" b="1" dirty="0"/>
-              <a:t>Warnings </a:t>
-            </a:r>
-            <a:r>
-              <a:rPr lang="en-US" sz="2200" b="1" dirty="0" smtClean="0"/>
-              <a:t>are </a:t>
-            </a:r>
-            <a:r>
-              <a:rPr lang="en-US" sz="2200" b="1" dirty="0"/>
-              <a:t>r</a:t>
-            </a:r>
-            <a:r>
-              <a:rPr lang="en-US" sz="2200" b="1" dirty="0" smtClean="0"/>
-              <a:t>eturned </a:t>
-            </a:r>
-            <a:r>
-              <a:rPr lang="en-US" sz="2200" b="1" dirty="0"/>
-              <a:t>i</a:t>
-            </a:r>
-            <a:r>
-              <a:rPr lang="en-US" sz="2200" b="1" dirty="0" smtClean="0"/>
-              <a:t>n </a:t>
-            </a:r>
-            <a:r>
-              <a:rPr lang="en-US" sz="2200" b="1" dirty="0"/>
-              <a:t>c</a:t>
-            </a:r>
-            <a:r>
-              <a:rPr lang="en-US" sz="2200" b="1" dirty="0" smtClean="0"/>
-              <a:t>ases </a:t>
-            </a:r>
-            <a:r>
-              <a:rPr lang="en-US" sz="2200" b="1" dirty="0"/>
-              <a:t>of </a:t>
-            </a:r>
-            <a:r>
-              <a:rPr lang="en-US" sz="2200" b="1" dirty="0" smtClean="0"/>
-              <a:t>non-fatal </a:t>
-            </a:r>
-            <a:r>
-              <a:rPr lang="en-US" sz="2200" b="1" dirty="0"/>
-              <a:t>i</a:t>
-            </a:r>
-            <a:r>
-              <a:rPr lang="en-US" sz="2200" b="1" dirty="0" smtClean="0"/>
-              <a:t>mproper </a:t>
-            </a:r>
-            <a:r>
-              <a:rPr lang="en-US" sz="2200" b="1" dirty="0"/>
-              <a:t>s</a:t>
-            </a:r>
-            <a:r>
-              <a:rPr lang="en-US" sz="2200" b="1" dirty="0" smtClean="0"/>
-              <a:t>preadsheets</a:t>
-            </a:r>
-            <a:endParaRPr lang="en-US" sz="2200" dirty="0" smtClean="0"/>
+              <a:t>Warnings are returned in cases of non-fatal improper spreadsheets</a:t>
+            </a:r>
+            <a:endParaRPr lang="en-US" sz="2200" dirty="0"/>
           </a:p>
         </p:txBody>
       </p:sp>
@@ -17176,18 +16335,13 @@
           <a:p>
             <a:pPr algn="ctr"/>
             <a:r>
-              <a:rPr lang="en-US" sz="1800" dirty="0" smtClean="0">
+              <a:rPr lang="en-US" sz="1800" dirty="0">
                 <a:solidFill>
                   <a:schemeClr val="tx1"/>
                 </a:solidFill>
               </a:rPr>
               <a:t>Import SIF</a:t>
             </a:r>
-            <a:endParaRPr lang="en-US" sz="1800" dirty="0">
-              <a:solidFill>
-                <a:schemeClr val="tx1"/>
-              </a:solidFill>
-            </a:endParaRPr>
           </a:p>
         </p:txBody>
       </p:sp>
@@ -17237,18 +16391,13 @@
           <a:p>
             <a:pPr algn="ctr"/>
             <a:r>
-              <a:rPr lang="en-US" sz="1600" dirty="0" smtClean="0">
+              <a:rPr lang="en-US" sz="1600" dirty="0">
                 <a:solidFill>
                   <a:schemeClr val="tx1"/>
                 </a:solidFill>
               </a:rPr>
               <a:t>Semantic Checker</a:t>
             </a:r>
-            <a:endParaRPr lang="en-US" sz="1600" dirty="0">
-              <a:solidFill>
-                <a:schemeClr val="tx1"/>
-              </a:solidFill>
-            </a:endParaRPr>
           </a:p>
         </p:txBody>
       </p:sp>
@@ -17298,18 +16447,13 @@
           <a:p>
             <a:pPr algn="ctr"/>
             <a:r>
-              <a:rPr lang="en-US" sz="1600" dirty="0" smtClean="0">
+              <a:rPr lang="en-US" sz="1600" dirty="0">
                 <a:solidFill>
                   <a:schemeClr val="tx1"/>
                 </a:solidFill>
               </a:rPr>
               <a:t>SIF Syntax Checker</a:t>
             </a:r>
-            <a:endParaRPr lang="en-US" sz="1600" dirty="0">
-              <a:solidFill>
-                <a:schemeClr val="tx1"/>
-              </a:solidFill>
-            </a:endParaRPr>
           </a:p>
         </p:txBody>
       </p:sp>
@@ -17356,18 +16500,13 @@
           <a:p>
             <a:pPr algn="ctr"/>
             <a:r>
-              <a:rPr lang="en-US" sz="1600" dirty="0" smtClean="0">
+              <a:rPr lang="en-US" sz="1600" dirty="0">
                 <a:solidFill>
                   <a:schemeClr val="tx1"/>
                 </a:solidFill>
               </a:rPr>
               <a:t>Excel Syntax Checker</a:t>
             </a:r>
-            <a:endParaRPr lang="en-US" sz="1600" dirty="0">
-              <a:solidFill>
-                <a:schemeClr val="tx1"/>
-              </a:solidFill>
-            </a:endParaRPr>
           </a:p>
         </p:txBody>
       </p:sp>
@@ -17417,7 +16556,7 @@
           <a:p>
             <a:pPr algn="ctr"/>
             <a:r>
-              <a:rPr lang="en-US" sz="1500" dirty="0" err="1" smtClean="0">
+              <a:rPr lang="en-US" sz="1500" dirty="0" err="1">
                 <a:solidFill>
                   <a:schemeClr val="tx1"/>
                 </a:solidFill>
@@ -17425,18 +16564,13 @@
               <a:t>GraphML</a:t>
             </a:r>
             <a:r>
-              <a:rPr lang="en-US" sz="1500" dirty="0" smtClean="0">
+              <a:rPr lang="en-US" sz="1500" dirty="0">
                 <a:solidFill>
                   <a:schemeClr val="tx1"/>
                 </a:solidFill>
               </a:rPr>
               <a:t> Syntax Checker</a:t>
             </a:r>
-            <a:endParaRPr lang="en-US" sz="1500" dirty="0">
-              <a:solidFill>
-                <a:schemeClr val="tx1"/>
-              </a:solidFill>
-            </a:endParaRPr>
           </a:p>
         </p:txBody>
       </p:sp>
@@ -17486,7 +16620,7 @@
           <a:p>
             <a:pPr algn="ctr"/>
             <a:r>
-              <a:rPr lang="en-US" sz="1800" dirty="0" err="1" smtClean="0">
+              <a:rPr lang="en-US" sz="1800" dirty="0" err="1">
                 <a:solidFill>
                   <a:schemeClr val="tx1"/>
                 </a:solidFill>
@@ -17685,21 +16819,8 @@
             </a:pPr>
             <a:r>
               <a:rPr lang="en-US" sz="2200" dirty="0"/>
-              <a:t>In cases where non-fatal errors exist in the format or data of an uploaded spreadsheet, the </a:t>
-            </a:r>
-            <a:r>
-              <a:rPr lang="en-US" sz="2200" dirty="0" smtClean="0"/>
-              <a:t>graph is displayed, </a:t>
-            </a:r>
-            <a:r>
-              <a:rPr lang="en-US" sz="2200" dirty="0"/>
-              <a:t>and a warning box appears</a:t>
-            </a:r>
-            <a:r>
-              <a:rPr lang="en-US" sz="2200" dirty="0" smtClean="0"/>
-              <a:t>.</a:t>
-            </a:r>
-            <a:endParaRPr lang="en-US" sz="2200" dirty="0"/>
+              <a:t>In cases where non-fatal errors exist in the format or data of an uploaded spreadsheet, the graph is displayed, and a warning box appears.</a:t>
+            </a:r>
           </a:p>
         </p:txBody>
       </p:sp>
@@ -17828,18 +16949,13 @@
           <a:p>
             <a:pPr algn="ctr"/>
             <a:r>
-              <a:rPr lang="en-US" sz="1800" dirty="0" smtClean="0">
+              <a:rPr lang="en-US" sz="1800" dirty="0">
                 <a:solidFill>
                   <a:schemeClr val="tx1"/>
                 </a:solidFill>
               </a:rPr>
               <a:t>Import Excel</a:t>
             </a:r>
-            <a:endParaRPr lang="en-US" sz="1800" dirty="0">
-              <a:solidFill>
-                <a:schemeClr val="tx1"/>
-              </a:solidFill>
-            </a:endParaRPr>
           </a:p>
         </p:txBody>
       </p:sp>
@@ -17928,7 +17044,7 @@
           <a:p>
             <a:pPr algn="ctr"/>
             <a:r>
-              <a:rPr lang="en-US" sz="1800" dirty="0" smtClean="0">
+              <a:rPr lang="en-US" sz="1800" dirty="0">
                 <a:solidFill>
                   <a:schemeClr val="tx1"/>
                 </a:solidFill>
@@ -17936,7 +17052,7 @@
               <a:t>Import </a:t>
             </a:r>
             <a:r>
-              <a:rPr lang="en-US" sz="1800" dirty="0" err="1" smtClean="0">
+              <a:rPr lang="en-US" sz="1800" dirty="0" err="1">
                 <a:solidFill>
                   <a:schemeClr val="tx1"/>
                 </a:solidFill>
@@ -18060,35 +17176,6 @@
           </a:p>
         </p:txBody>
       </p:sp>
-      <p:pic>
-        <p:nvPicPr>
-          <p:cNvPr id="192" name="Picture 191"/>
-          <p:cNvPicPr>
-            <a:picLocks noChangeAspect="1"/>
-          </p:cNvPicPr>
-          <p:nvPr/>
-        </p:nvPicPr>
-        <p:blipFill rotWithShape="1">
-          <a:blip r:embed="rId19">
-            <a:extLst>
-              <a:ext uri="{28A0092B-C50C-407E-A947-70E740481C1C}">
-                <a14:useLocalDpi xmlns:a14="http://schemas.microsoft.com/office/drawing/2010/main" val="0"/>
-              </a:ext>
-            </a:extLst>
-          </a:blip>
-          <a:srcRect l="7621" r="12389" b="15049"/>
-          <a:stretch/>
-        </p:blipFill>
-        <p:spPr>
-          <a:xfrm>
-            <a:off x="39869451" y="22057708"/>
-            <a:ext cx="3098692" cy="3033778"/>
-          </a:xfrm>
-          <a:prstGeom prst="rect">
-            <a:avLst/>
-          </a:prstGeom>
-        </p:spPr>
-      </p:pic>
       <p:sp>
         <p:nvSpPr>
           <p:cNvPr id="187" name="Shape 109"/>
@@ -18123,7 +17210,7 @@
               <a:buSzPct val="100000"/>
             </a:pPr>
             <a:r>
-              <a:rPr lang="en-US" sz="2200" b="1" dirty="0" smtClean="0">
+              <a:rPr lang="en-US" sz="2200" b="1" dirty="0">
                 <a:solidFill>
                   <a:schemeClr val="dk1"/>
                 </a:solidFill>
@@ -18141,7 +17228,7 @@
               <a:buChar char="•"/>
             </a:pPr>
             <a:r>
-              <a:rPr lang="en-US" sz="2200" dirty="0" smtClean="0">
+              <a:rPr lang="en-US" sz="2200" dirty="0">
                 <a:solidFill>
                   <a:schemeClr val="dk1"/>
                 </a:solidFill>
@@ -18149,7 +17236,7 @@
               <a:t>Excel workbooks need a “network” sheet (for unweighted graphs) or a “</a:t>
             </a:r>
             <a:r>
-              <a:rPr lang="en-US" sz="2200" dirty="0" err="1" smtClean="0">
+              <a:rPr lang="en-US" sz="2200" dirty="0" err="1">
                 <a:solidFill>
                   <a:schemeClr val="dk1"/>
                 </a:solidFill>
@@ -18157,7 +17244,7 @@
               <a:t>network_optimized_weights</a:t>
             </a:r>
             <a:r>
-              <a:rPr lang="en-US" sz="2200" dirty="0" smtClean="0">
+              <a:rPr lang="en-US" sz="2200" dirty="0">
                 <a:solidFill>
                   <a:schemeClr val="dk1"/>
                 </a:solidFill>
@@ -18175,7 +17262,7 @@
               <a:buChar char="•"/>
             </a:pPr>
             <a:r>
-              <a:rPr lang="en-US" sz="2200" dirty="0" err="1" smtClean="0">
+              <a:rPr lang="en-US" sz="2200" dirty="0" err="1">
                 <a:solidFill>
                   <a:schemeClr val="dk1"/>
                 </a:solidFill>
@@ -18183,7 +17270,7 @@
               <a:t>GRNmap</a:t>
             </a:r>
             <a:r>
-              <a:rPr lang="en-US" sz="2200" dirty="0" smtClean="0">
+              <a:rPr lang="en-US" sz="2200" dirty="0">
                 <a:solidFill>
                   <a:schemeClr val="dk1"/>
                 </a:solidFill>
@@ -18201,7 +17288,7 @@
               <a:buChar char="•"/>
             </a:pPr>
             <a:r>
-              <a:rPr lang="en-US" sz="2200" dirty="0" smtClean="0">
+              <a:rPr lang="en-US" sz="2200" dirty="0">
                 <a:solidFill>
                   <a:schemeClr val="dk1"/>
                 </a:solidFill>
@@ -18209,15 +17296,15 @@
               <a:t>Adjacency matrices generated from other databases, such as YEASTRACT (</a:t>
             </a:r>
             <a:r>
-              <a:rPr lang="en-US" sz="2200" dirty="0" smtClean="0"/>
+              <a:rPr lang="en-US" sz="2200" dirty="0"/>
               <a:t>Teixeira</a:t>
             </a:r>
             <a:r>
-              <a:rPr lang="en-US" sz="2400" dirty="0" smtClean="0"/>
+              <a:rPr lang="en-US" sz="2400" dirty="0"/>
               <a:t> </a:t>
             </a:r>
             <a:r>
-              <a:rPr lang="en-US" sz="2200" dirty="0" smtClean="0">
+              <a:rPr lang="en-US" sz="2200" dirty="0">
                 <a:solidFill>
                   <a:schemeClr val="dk1"/>
                 </a:solidFill>
@@ -18234,7 +17321,7 @@
               <a:buFont typeface="Arial"/>
               <a:buChar char="•"/>
             </a:pPr>
-            <a:endParaRPr lang="en-US" sz="2200" dirty="0" smtClean="0">
+            <a:endParaRPr lang="en-US" sz="2200" dirty="0">
               <a:solidFill>
                 <a:schemeClr val="dk1"/>
               </a:solidFill>
@@ -18249,7 +17336,7 @@
               <a:buFont typeface="Arial"/>
               <a:buChar char="•"/>
             </a:pPr>
-            <a:endParaRPr lang="en-US" sz="2200" dirty="0" smtClean="0">
+            <a:endParaRPr lang="en-US" sz="2200" dirty="0">
               <a:solidFill>
                 <a:schemeClr val="dk1"/>
               </a:solidFill>
@@ -18264,7 +17351,7 @@
               <a:buFont typeface="Arial"/>
               <a:buChar char="•"/>
             </a:pPr>
-            <a:endParaRPr lang="en-US" sz="2200" dirty="0" smtClean="0">
+            <a:endParaRPr lang="en-US" sz="2200" dirty="0">
               <a:solidFill>
                 <a:schemeClr val="dk1"/>
               </a:solidFill>
@@ -18279,7 +17366,7 @@
               <a:buFont typeface="Arial"/>
               <a:buChar char="•"/>
             </a:pPr>
-            <a:endParaRPr lang="en-US" sz="2200" dirty="0" smtClean="0">
+            <a:endParaRPr lang="en-US" sz="2200" dirty="0">
               <a:solidFill>
                 <a:schemeClr val="dk1"/>
               </a:solidFill>
@@ -18293,7 +17380,7 @@
               <a:buSzPct val="100000"/>
             </a:pPr>
             <a:r>
-              <a:rPr lang="en-US" sz="2200" b="1" dirty="0" err="1" smtClean="0">
+              <a:rPr lang="en-US" sz="2200" b="1" dirty="0" err="1">
                 <a:solidFill>
                   <a:schemeClr val="dk1"/>
                 </a:solidFill>
@@ -18301,7 +17388,7 @@
               <a:t>GRNsight</a:t>
             </a:r>
             <a:r>
-              <a:rPr lang="en-US" sz="2200" b="1" dirty="0" smtClean="0">
+              <a:rPr lang="en-US" sz="2200" b="1" dirty="0">
                 <a:solidFill>
                   <a:schemeClr val="dk1"/>
                 </a:solidFill>
@@ -18309,7 +17396,7 @@
               <a:t> now accepts SIF and </a:t>
             </a:r>
             <a:r>
-              <a:rPr lang="en-US" sz="2200" b="1" dirty="0" err="1" smtClean="0">
+              <a:rPr lang="en-US" sz="2200" b="1" dirty="0" err="1">
                 <a:solidFill>
                   <a:schemeClr val="dk1"/>
                 </a:solidFill>
@@ -18317,7 +17404,7 @@
               <a:t>GraphML</a:t>
             </a:r>
             <a:r>
-              <a:rPr lang="en-US" sz="2200" b="1" dirty="0" smtClean="0">
+              <a:rPr lang="en-US" sz="2200" b="1" dirty="0">
                 <a:solidFill>
                   <a:schemeClr val="dk1"/>
                 </a:solidFill>
@@ -18332,7 +17419,7 @@
               </a:buClr>
               <a:buSzPct val="100000"/>
             </a:pPr>
-            <a:endParaRPr lang="en-US" sz="2200" dirty="0" smtClean="0">
+            <a:endParaRPr lang="en-US" sz="2200" dirty="0">
               <a:solidFill>
                 <a:schemeClr val="dk1"/>
               </a:solidFill>
@@ -18345,7 +17432,7 @@
               </a:buClr>
               <a:buSzPct val="100000"/>
             </a:pPr>
-            <a:endParaRPr lang="en-US" sz="2200" dirty="0" smtClean="0">
+            <a:endParaRPr lang="en-US" sz="2200" dirty="0">
               <a:solidFill>
                 <a:schemeClr val="dk1"/>
               </a:solidFill>
@@ -18358,7 +17445,7 @@
               </a:buClr>
               <a:buSzPct val="100000"/>
             </a:pPr>
-            <a:endParaRPr lang="en-US" sz="2200" dirty="0" smtClean="0">
+            <a:endParaRPr lang="en-US" sz="2200" dirty="0">
               <a:solidFill>
                 <a:schemeClr val="dk1"/>
               </a:solidFill>
@@ -18371,7 +17458,7 @@
               </a:buClr>
               <a:buSzPct val="100000"/>
             </a:pPr>
-            <a:endParaRPr lang="en-US" sz="2200" dirty="0" smtClean="0">
+            <a:endParaRPr lang="en-US" sz="2200" dirty="0">
               <a:solidFill>
                 <a:schemeClr val="dk1"/>
               </a:solidFill>
@@ -18384,7 +17471,7 @@
               </a:buClr>
               <a:buSzPct val="100000"/>
             </a:pPr>
-            <a:endParaRPr lang="en-US" sz="2200" b="1" dirty="0" smtClean="0">
+            <a:endParaRPr lang="en-US" sz="2200" b="1" dirty="0">
               <a:solidFill>
                 <a:schemeClr val="dk1"/>
               </a:solidFill>
@@ -18397,7 +17484,7 @@
               </a:buClr>
               <a:buSzPct val="100000"/>
             </a:pPr>
-            <a:endParaRPr lang="en-US" sz="2200" b="1" dirty="0" smtClean="0">
+            <a:endParaRPr lang="en-US" sz="2200" b="1" dirty="0">
               <a:solidFill>
                 <a:schemeClr val="dk1"/>
               </a:solidFill>
@@ -18410,7 +17497,7 @@
               </a:buClr>
               <a:buSzPct val="100000"/>
             </a:pPr>
-            <a:endParaRPr lang="en-US" sz="2200" b="1" dirty="0" smtClean="0">
+            <a:endParaRPr lang="en-US" sz="2200" b="1" dirty="0">
               <a:solidFill>
                 <a:schemeClr val="dk1"/>
               </a:solidFill>
@@ -18442,7 +17529,7 @@
           <p:nvPr/>
         </p:nvPicPr>
         <p:blipFill rotWithShape="1">
-          <a:blip r:embed="rId20"/>
+          <a:blip r:embed="rId19"/>
           <a:srcRect l="-2" t="36170" r="16547" b="19645"/>
           <a:stretch/>
         </p:blipFill>
@@ -18480,48 +17567,35 @@
           <a:p>
             <a:pPr algn="ctr"/>
             <a:r>
-              <a:rPr lang="en-US" dirty="0" smtClean="0">
-                <a:solidFill>
-                  <a:schemeClr val="tx1"/>
-                </a:solidFill>
-              </a:rPr>
-              <a:t>5564 total visitors and </a:t>
-            </a:r>
-          </a:p>
-          <a:p>
-            <a:pPr algn="ctr"/>
-            <a:r>
-              <a:rPr lang="en-US" dirty="0" smtClean="0">
-                <a:solidFill>
-                  <a:schemeClr val="tx1"/>
-                </a:solidFill>
-              </a:rPr>
-              <a:t>2019 files </a:t>
-            </a:r>
-            <a:r>
               <a:rPr lang="en-US" dirty="0">
                 <a:solidFill>
                   <a:schemeClr val="tx1"/>
                 </a:solidFill>
               </a:rPr>
-              <a:t>uploaded as of </a:t>
+              <a:t>11,311 total sessions and </a:t>
             </a:r>
           </a:p>
           <a:p>
             <a:pPr algn="ctr"/>
             <a:r>
-              <a:rPr lang="en-US" dirty="0" smtClean="0">
+              <a:rPr lang="en-US" dirty="0">
                 <a:solidFill>
                   <a:schemeClr val="tx1"/>
                 </a:solidFill>
               </a:rPr>
-              <a:t>26 January 2017</a:t>
-            </a:r>
-            <a:endParaRPr lang="en-US" dirty="0">
-              <a:solidFill>
-                <a:schemeClr val="tx1"/>
-              </a:solidFill>
-            </a:endParaRPr>
+              <a:t>3,894 files uploaded as of </a:t>
+            </a:r>
+          </a:p>
+          <a:p>
+            <a:pPr algn="ctr"/>
+            <a:r>
+              <a:rPr lang="en-US" dirty="0">
+                <a:solidFill>
+                  <a:schemeClr val="tx1"/>
+                </a:solidFill>
+              </a:rPr>
+              <a:t>6 November 2017</a:t>
+            </a:r>
           </a:p>
         </p:txBody>
       </p:sp>
@@ -18534,7 +17608,7 @@
           <p:nvPr/>
         </p:nvPicPr>
         <p:blipFill>
-          <a:blip r:embed="rId21"/>
+          <a:blip r:embed="rId20"/>
           <a:stretch>
             <a:fillRect/>
           </a:stretch>
@@ -18595,27 +17669,23 @@
               <a:buChar char="•"/>
             </a:pPr>
             <a:r>
-              <a:rPr lang="en-US" sz="2200" dirty="0" smtClean="0"/>
+              <a:rPr lang="en-US" sz="2200" dirty="0"/>
               <a:t>A SIF file is a tab-delimited text file with the file extension .</a:t>
             </a:r>
             <a:r>
-              <a:rPr lang="en-US" sz="2200" dirty="0" err="1" smtClean="0"/>
+              <a:rPr lang="en-US" sz="2200" dirty="0" err="1"/>
               <a:t>sif</a:t>
             </a:r>
             <a:r>
               <a:rPr lang="en-US" sz="2200" dirty="0"/>
-              <a:t> </a:t>
-            </a:r>
-            <a:r>
-              <a:rPr lang="en-US" sz="2200" dirty="0" smtClean="0"/>
-              <a:t>originally created for use with </a:t>
-            </a:r>
-            <a:r>
-              <a:rPr lang="en-US" sz="2200" dirty="0" err="1" smtClean="0"/>
+              <a:t> originally created for use with </a:t>
+            </a:r>
+            <a:r>
+              <a:rPr lang="en-US" sz="2200" dirty="0" err="1"/>
               <a:t>Cytoscape</a:t>
             </a:r>
             <a:r>
-              <a:rPr lang="en-US" sz="2200" dirty="0" smtClean="0"/>
+              <a:rPr lang="en-US" sz="2200" dirty="0"/>
               <a:t>.</a:t>
             </a:r>
           </a:p>
@@ -18642,7 +17712,7 @@
               <a:buFont typeface="Arial" charset="0"/>
               <a:buChar char="•"/>
             </a:pPr>
-            <a:endParaRPr lang="en-US" sz="2200" dirty="0" smtClean="0"/>
+            <a:endParaRPr lang="en-US" sz="2200" dirty="0"/>
           </a:p>
           <a:p>
             <a:pPr marL="342900" indent="-342900">
@@ -18717,53 +17787,40 @@
             </a:r>
             <a:r>
               <a:rPr lang="en-US" sz="2200" dirty="0"/>
-              <a:t> file is </a:t>
-            </a:r>
-            <a:r>
-              <a:rPr lang="en-US" sz="2200" dirty="0" smtClean="0"/>
-              <a:t>an E</a:t>
-            </a:r>
-            <a:r>
-              <a:rPr lang="en-US" sz="2200" b="1" dirty="0" smtClean="0"/>
+              <a:t> file is an E</a:t>
+            </a:r>
+            <a:r>
+              <a:rPr lang="en-US" sz="2200" b="1" dirty="0"/>
               <a:t>x</a:t>
             </a:r>
             <a:r>
-              <a:rPr lang="en-US" sz="2200" dirty="0" smtClean="0"/>
-              <a:t>tensible</a:t>
-            </a:r>
-            <a:r>
               <a:rPr lang="en-US" sz="2200" dirty="0"/>
-              <a:t> </a:t>
-            </a:r>
-            <a:r>
-              <a:rPr lang="en-US" sz="2200" b="1" dirty="0" smtClean="0"/>
+              <a:t>tensible </a:t>
+            </a:r>
+            <a:r>
+              <a:rPr lang="en-US" sz="2200" b="1" dirty="0"/>
               <a:t>M</a:t>
             </a:r>
             <a:r>
-              <a:rPr lang="en-US" sz="2200" dirty="0" smtClean="0"/>
+              <a:rPr lang="en-US" sz="2200" dirty="0"/>
               <a:t>arkup </a:t>
             </a:r>
             <a:r>
-              <a:rPr lang="en-US" sz="2200" b="1" dirty="0" smtClean="0"/>
+              <a:rPr lang="en-US" sz="2200" b="1" dirty="0"/>
               <a:t>L</a:t>
             </a:r>
             <a:r>
-              <a:rPr lang="en-US" sz="2200" dirty="0" smtClean="0"/>
-              <a:t>anguage </a:t>
-            </a:r>
-            <a:r>
               <a:rPr lang="en-US" sz="2200" dirty="0"/>
-              <a:t>(XML) file with the extension .</a:t>
-            </a:r>
-            <a:r>
-              <a:rPr lang="en-US" sz="2200" dirty="0" err="1" smtClean="0"/>
+              <a:t>anguage (XML) file with the extension .</a:t>
+            </a:r>
+            <a:r>
+              <a:rPr lang="en-US" sz="2200" dirty="0" err="1"/>
               <a:t>graphml</a:t>
             </a:r>
             <a:r>
               <a:rPr lang="en-US" sz="2200" dirty="0"/>
               <a:t>.</a:t>
             </a:r>
-            <a:endParaRPr lang="en-US" sz="2200" dirty="0" smtClean="0"/>
           </a:p>
           <a:p>
             <a:pPr marL="342900" indent="-342900">
@@ -18771,19 +17828,19 @@
               <a:buChar char="•"/>
             </a:pPr>
             <a:r>
-              <a:rPr lang="en-US" sz="2200" dirty="0" err="1" smtClean="0"/>
+              <a:rPr lang="en-US" sz="2200" dirty="0" err="1"/>
               <a:t>GRNsight</a:t>
             </a:r>
             <a:r>
-              <a:rPr lang="en-US" sz="2200" dirty="0" smtClean="0"/>
+              <a:rPr lang="en-US" sz="2200" dirty="0"/>
               <a:t> parses </a:t>
             </a:r>
             <a:r>
-              <a:rPr lang="en-US" sz="2200" dirty="0" err="1" smtClean="0"/>
+              <a:rPr lang="en-US" sz="2200" dirty="0" err="1"/>
               <a:t>GraphML</a:t>
             </a:r>
             <a:r>
-              <a:rPr lang="en-US" sz="2200" dirty="0" smtClean="0"/>
+              <a:rPr lang="en-US" sz="2200" dirty="0"/>
               <a:t> to extract nodes and edges.</a:t>
             </a:r>
           </a:p>
@@ -18798,15 +17855,7 @@
             </a:r>
             <a:r>
               <a:rPr lang="en-US" sz="2200" dirty="0"/>
-              <a:t> has the ability to specify </a:t>
-            </a:r>
-            <a:r>
-              <a:rPr lang="en-US" sz="2200" dirty="0" smtClean="0"/>
-              <a:t>additional graph </a:t>
-            </a:r>
-            <a:r>
-              <a:rPr lang="en-US" sz="2200" dirty="0"/>
-              <a:t>features that </a:t>
+              <a:t> has the ability to specify additional graph features that </a:t>
             </a:r>
             <a:r>
               <a:rPr lang="en-US" sz="2200" dirty="0" err="1"/>
@@ -18814,11 +17863,7 @@
             </a:r>
             <a:r>
               <a:rPr lang="en-US" sz="2200" dirty="0"/>
-              <a:t> cannot </a:t>
-            </a:r>
-            <a:r>
-              <a:rPr lang="en-US" sz="2200" dirty="0" smtClean="0"/>
-              <a:t>display, but may be useful additional data.</a:t>
+              <a:t> cannot display, but may be useful additional data.</a:t>
             </a:r>
           </a:p>
           <a:p>
@@ -18826,7 +17871,7 @@
               <a:buFont typeface="Arial" charset="0"/>
               <a:buChar char="•"/>
             </a:pPr>
-            <a:endParaRPr lang="en-US" sz="2200" dirty="0" smtClean="0"/>
+            <a:endParaRPr lang="en-US" sz="2200" dirty="0"/>
           </a:p>
         </p:txBody>
       </p:sp>
@@ -18839,7 +17884,7 @@
           <p:nvPr/>
         </p:nvPicPr>
         <p:blipFill>
-          <a:blip r:embed="rId22">
+          <a:blip r:embed="rId21">
             <a:extLst>
               <a:ext uri="{28A0092B-C50C-407E-A947-70E740481C1C}">
                 <a14:useLocalDpi xmlns:a14="http://schemas.microsoft.com/office/drawing/2010/main" val="0"/>
@@ -18896,23 +17941,23 @@
               <a:buChar char="•"/>
             </a:pPr>
             <a:r>
-              <a:rPr lang="en-US" sz="2400" dirty="0" smtClean="0"/>
+              <a:rPr lang="en-US" sz="2400" dirty="0"/>
               <a:t>Although other open source software, such as </a:t>
             </a:r>
             <a:r>
-              <a:rPr lang="en-US" sz="2400" dirty="0" err="1" smtClean="0"/>
+              <a:rPr lang="en-US" sz="2400" dirty="0" err="1"/>
               <a:t>Cytoscape</a:t>
             </a:r>
             <a:r>
-              <a:rPr lang="en-US" sz="2400" dirty="0" smtClean="0"/>
+              <a:rPr lang="en-US" sz="2400" dirty="0"/>
               <a:t> or </a:t>
             </a:r>
             <a:r>
-              <a:rPr lang="en-US" sz="2400" dirty="0" err="1" smtClean="0"/>
+              <a:rPr lang="en-US" sz="2400" dirty="0" err="1"/>
               <a:t>Gephi</a:t>
             </a:r>
             <a:r>
-              <a:rPr lang="en-US" sz="2400" dirty="0" smtClean="0"/>
+              <a:rPr lang="en-US" sz="2400" dirty="0"/>
               <a:t>, exists to lay out large networks, they were too cumbersome for our needs.</a:t>
             </a:r>
           </a:p>
@@ -18931,37 +17976,16 @@
             </a:r>
             <a:r>
               <a:rPr lang="en-US" sz="2400" dirty="0"/>
-              <a:t> is targeted at both experienced biology investigators and novice undergraduate </a:t>
-            </a:r>
-            <a:r>
-              <a:rPr lang="en-US" sz="2400" dirty="0" smtClean="0"/>
-              <a:t>users</a:t>
-            </a:r>
-            <a:r>
-              <a:rPr lang="en-US" sz="2400" dirty="0"/>
-              <a:t> </a:t>
-            </a:r>
-            <a:r>
-              <a:rPr lang="en-US" sz="2400" dirty="0" smtClean="0"/>
-              <a:t>and has the following requirements:</a:t>
-            </a:r>
-            <a:endParaRPr lang="en-US" sz="2400" dirty="0"/>
+              <a:t> is targeted at both experienced biology investigators and novice undergraduate users and has the following requirements:</a:t>
+            </a:r>
           </a:p>
           <a:p>
             <a:pPr marL="866775" indent="-457200">
               <a:buAutoNum type="arabicPeriod"/>
             </a:pPr>
             <a:r>
-              <a:rPr lang="en-US" sz="2400" dirty="0" smtClean="0"/>
-              <a:t>Exist </a:t>
-            </a:r>
-            <a:r>
               <a:rPr lang="en-US" sz="2400" dirty="0"/>
-              <a:t>as a web </a:t>
-            </a:r>
-            <a:r>
-              <a:rPr lang="en-US" sz="2400" dirty="0" smtClean="0"/>
-              <a:t>application. </a:t>
+              <a:t>Exist as a web application. </a:t>
             </a:r>
           </a:p>
           <a:p>
@@ -18969,23 +17993,14 @@
               <a:buAutoNum type="arabicPeriod"/>
             </a:pPr>
             <a:r>
-              <a:rPr lang="en-US" sz="2400" dirty="0" smtClean="0"/>
-              <a:t>Be </a:t>
-            </a:r>
-            <a:r>
               <a:rPr lang="en-US" sz="2400" dirty="0"/>
-              <a:t>simple and intuitive to </a:t>
-            </a:r>
-            <a:r>
-              <a:rPr lang="en-US" sz="2400" dirty="0" smtClean="0"/>
-              <a:t>use.</a:t>
-            </a:r>
-            <a:endParaRPr lang="en-US" sz="2400" dirty="0"/>
+              <a:t>Be simple and intuitive to use.</a:t>
+            </a:r>
           </a:p>
           <a:p>
             <a:pPr marL="866775" indent="-457200"/>
             <a:r>
-              <a:rPr lang="en-US" sz="2400" dirty="0" smtClean="0"/>
+              <a:rPr lang="en-US" sz="2400" dirty="0"/>
               <a:t>3.  Accept Excel (.</a:t>
             </a:r>
             <a:r>
@@ -18993,62 +18008,49 @@
               <a:t>xlsx</a:t>
             </a:r>
             <a:r>
-              <a:rPr lang="en-US" sz="2400" dirty="0" smtClean="0"/>
+              <a:rPr lang="en-US" sz="2400" dirty="0"/>
               <a:t>) files directly from our sister project, </a:t>
             </a:r>
             <a:r>
-              <a:rPr lang="en-US" sz="2400" dirty="0" err="1" smtClean="0"/>
+              <a:rPr lang="en-US" sz="2400" dirty="0" err="1"/>
               <a:t>GRNmap</a:t>
             </a:r>
             <a:r>
-              <a:rPr lang="en-US" sz="2400" dirty="0" smtClean="0"/>
+              <a:rPr lang="en-US" sz="2400" dirty="0"/>
               <a:t>, as well as, SIF (.</a:t>
             </a:r>
             <a:r>
-              <a:rPr lang="en-US" sz="2400" dirty="0" err="1" smtClean="0"/>
+              <a:rPr lang="en-US" sz="2400" dirty="0" err="1"/>
               <a:t>sif</a:t>
             </a:r>
             <a:r>
-              <a:rPr lang="en-US" sz="2400" dirty="0" smtClean="0"/>
+              <a:rPr lang="en-US" sz="2400" dirty="0"/>
               <a:t>), or </a:t>
             </a:r>
             <a:r>
-              <a:rPr lang="en-US" sz="2400" dirty="0" err="1" smtClean="0"/>
+              <a:rPr lang="en-US" sz="2400" dirty="0" err="1"/>
               <a:t>GraphML</a:t>
             </a:r>
             <a:r>
               <a:rPr lang="en-US" sz="2400" dirty="0"/>
-              <a:t> </a:t>
-            </a:r>
-            <a:r>
-              <a:rPr lang="en-US" sz="2400" dirty="0" smtClean="0"/>
-              <a:t>(.</a:t>
-            </a:r>
-            <a:r>
-              <a:rPr lang="en-US" sz="2400" dirty="0" err="1" smtClean="0"/>
+              <a:t> (.</a:t>
+            </a:r>
+            <a:r>
+              <a:rPr lang="en-US" sz="2400" dirty="0" err="1"/>
               <a:t>graphml</a:t>
             </a:r>
             <a:r>
-              <a:rPr lang="en-US" sz="2400" dirty="0" smtClean="0"/>
+              <a:rPr lang="en-US" sz="2400" dirty="0"/>
               <a:t>) input files.</a:t>
             </a:r>
-            <a:endParaRPr lang="en-US" sz="2400" dirty="0"/>
           </a:p>
           <a:p>
             <a:pPr marL="866775" indent="-457200">
               <a:buAutoNum type="arabicPeriod" startAt="4"/>
             </a:pPr>
             <a:r>
-              <a:rPr lang="en-US" sz="2400" dirty="0" smtClean="0"/>
-              <a:t>Read </a:t>
-            </a:r>
-            <a:r>
               <a:rPr lang="en-US" sz="2400" dirty="0"/>
-              <a:t>a weighted or unweighted adjacency </a:t>
-            </a:r>
-            <a:r>
-              <a:rPr lang="en-US" sz="2400" dirty="0" smtClean="0"/>
-              <a:t>matrix.</a:t>
+              <a:t>Read a weighted or unweighted adjacency matrix.</a:t>
             </a:r>
           </a:p>
           <a:p>
@@ -19056,26 +18058,9 @@
               <a:buAutoNum type="arabicPeriod" startAt="4"/>
             </a:pPr>
             <a:r>
-              <a:rPr lang="en-US" sz="2400" dirty="0" smtClean="0"/>
-              <a:t>Automatically </a:t>
-            </a:r>
-            <a:r>
               <a:rPr lang="en-US" sz="2400" dirty="0"/>
-              <a:t>lay out and </a:t>
-            </a:r>
-            <a:r>
-              <a:rPr lang="en-US" sz="2400" dirty="0" smtClean="0"/>
-              <a:t>display </a:t>
-            </a:r>
-            <a:r>
-              <a:rPr lang="en-US" sz="2400" dirty="0"/>
-              <a:t>unweighted and </a:t>
-            </a:r>
-            <a:r>
-              <a:rPr lang="en-US" sz="2400" dirty="0" smtClean="0"/>
-              <a:t>weighted, directed network graphs.</a:t>
-            </a:r>
-            <a:endParaRPr lang="en-US" sz="2400" dirty="0"/>
+              <a:t>Automatically lay out and display unweighted and weighted, directed network graphs.</a:t>
+            </a:r>
           </a:p>
           <a:p>
             <a:pPr marL="236538" lvl="0" indent="-236538">
@@ -19146,7 +18131,7 @@
               <a:buNone/>
             </a:pPr>
             <a:r>
-              <a:rPr lang="en-US" sz="3600" b="0" i="0" u="none" strike="noStrike" cap="none" dirty="0" err="1" smtClean="0">
+              <a:rPr lang="en-US" sz="3600" b="0" i="0" u="none" strike="noStrike" cap="none" dirty="0" err="1">
                 <a:solidFill>
                   <a:srgbClr val="017C00"/>
                 </a:solidFill>
@@ -19164,15 +18149,7 @@
                   <a:srgbClr val="017C00"/>
                 </a:solidFill>
               </a:rPr>
-              <a:t> </a:t>
-            </a:r>
-            <a:r>
-              <a:rPr lang="en-US" sz="3600" dirty="0" smtClean="0">
-                <a:solidFill>
-                  <a:srgbClr val="017C00"/>
-                </a:solidFill>
-              </a:rPr>
-              <a:t>Fulfills a Specific Software Niche for Visualizing Small- to Medium-scale GRNs</a:t>
+              <a:t> Fulfills a Specific Software Niche for Visualizing Small- to Medium-scale GRNs</a:t>
             </a:r>
             <a:endParaRPr lang="en-US" sz="3600" b="0" i="0" u="none" strike="noStrike" cap="none" baseline="0" dirty="0">
               <a:solidFill>
@@ -19278,7 +18255,7 @@
               <a:buSzPct val="100000"/>
             </a:pPr>
             <a:r>
-              <a:rPr lang="en-US" sz="2200" b="1" dirty="0" smtClean="0"/>
+              <a:rPr lang="en-US" sz="2200" b="1" dirty="0"/>
               <a:t>Blunt Marker Adjustments</a:t>
             </a:r>
           </a:p>
@@ -19326,7 +18303,7 @@
             <p:nvPr/>
           </p:nvPicPr>
           <p:blipFill>
-            <a:blip r:embed="rId23">
+            <a:blip r:embed="rId22">
               <a:extLst>
                 <a:ext uri="{28A0092B-C50C-407E-A947-70E740481C1C}">
                   <a14:useLocalDpi xmlns:a14="http://schemas.microsoft.com/office/drawing/2010/main" val="0"/>
@@ -19390,7 +18367,7 @@
             <p:nvPr/>
           </p:nvPicPr>
           <p:blipFill rotWithShape="1">
-            <a:blip r:embed="rId24">
+            <a:blip r:embed="rId23">
               <a:extLst>
                 <a:ext uri="{28A0092B-C50C-407E-A947-70E740481C1C}">
                   <a14:useLocalDpi xmlns:a14="http://schemas.microsoft.com/office/drawing/2010/main" val="0"/>
@@ -19502,7 +18479,7 @@
           <p:nvPr/>
         </p:nvPicPr>
         <p:blipFill>
-          <a:blip r:embed="rId25">
+          <a:blip r:embed="rId24">
             <a:extLst>
               <a:ext uri="{28A0092B-C50C-407E-A947-70E740481C1C}">
                 <a14:useLocalDpi xmlns:a14="http://schemas.microsoft.com/office/drawing/2010/main" val="0"/>
@@ -19583,12 +18560,8 @@
               <a:buChar char="•"/>
             </a:pPr>
             <a:r>
-              <a:rPr lang="en-US" sz="2200" dirty="0" smtClean="0"/>
-              <a:t>The </a:t>
-            </a:r>
-            <a:r>
               <a:rPr lang="en-US" sz="2200" dirty="0"/>
-              <a:t>repressed markers are centered.</a:t>
+              <a:t>The repressed markers are centered.</a:t>
             </a:r>
             <a:endParaRPr lang="en-US" sz="2200" dirty="0">
               <a:solidFill>
@@ -19637,7 +18610,7 @@
           <p:nvPr/>
         </p:nvPicPr>
         <p:blipFill rotWithShape="1">
-          <a:blip r:embed="rId26">
+          <a:blip r:embed="rId25">
             <a:extLst>
               <a:ext uri="{28A0092B-C50C-407E-A947-70E740481C1C}">
                 <a14:useLocalDpi xmlns:a14="http://schemas.microsoft.com/office/drawing/2010/main" val="0"/>
@@ -19716,21 +18689,46 @@
               <a:buChar char="•"/>
             </a:pPr>
             <a:r>
-              <a:rPr lang="en-US" sz="2200" dirty="0" smtClean="0">
+              <a:rPr lang="en-US" sz="2200" dirty="0">
                 <a:solidFill>
                   <a:schemeClr val="dk1"/>
                 </a:solidFill>
               </a:rPr>
               <a:t>Each visual adjustments were carefully tested with according test files.</a:t>
             </a:r>
-            <a:endParaRPr lang="en-US" sz="2200" dirty="0">
-              <a:solidFill>
-                <a:schemeClr val="dk1"/>
-              </a:solidFill>
-            </a:endParaRPr>
           </a:p>
         </p:txBody>
       </p:sp>
+      <p:pic>
+        <p:nvPicPr>
+          <p:cNvPr id="25" name="Picture 24">
+            <a:extLst>
+              <a:ext uri="{FF2B5EF4-FFF2-40B4-BE49-F238E27FC236}">
+                <a16:creationId xmlns:a16="http://schemas.microsoft.com/office/drawing/2014/main" id="{12839090-9348-4086-ADAC-CA2423A1364F}"/>
+              </a:ext>
+            </a:extLst>
+          </p:cNvPr>
+          <p:cNvPicPr>
+            <a:picLocks noChangeAspect="1"/>
+          </p:cNvPicPr>
+          <p:nvPr/>
+        </p:nvPicPr>
+        <p:blipFill>
+          <a:blip r:embed="rId26"/>
+          <a:stretch>
+            <a:fillRect/>
+          </a:stretch>
+        </p:blipFill>
+        <p:spPr>
+          <a:xfrm>
+            <a:off x="39874159" y="21997470"/>
+            <a:ext cx="3137941" cy="3194143"/>
+          </a:xfrm>
+          <a:prstGeom prst="rect">
+            <a:avLst/>
+          </a:prstGeom>
+        </p:spPr>
+      </p:pic>
     </p:spTree>
     <p:extLst>
       <p:ext uri="{BB962C8B-B14F-4D97-AF65-F5344CB8AC3E}">
@@ -19744,13 +18742,6 @@
   <p:transition spd="slow">
     <p:cut/>
   </p:transition>
-  <p:timing>
-    <p:tnLst>
-      <p:par>
-        <p:cTn id="1" dur="indefinite" restart="never" nodeType="tmRoot"/>
-      </p:par>
-    </p:tnLst>
-  </p:timing>
 </p:sld>
 </file>
 
